--- a/Présentation1.pptx
+++ b/Présentation1.pptx
@@ -5,10 +5,10 @@
     <p:sldMasterId id="2147483648" r:id="rId4"/>
   </p:sldMasterIdLst>
   <p:notesMasterIdLst>
-    <p:notesMasterId r:id="rId14"/>
+    <p:notesMasterId r:id="rId16"/>
   </p:notesMasterIdLst>
   <p:handoutMasterIdLst>
-    <p:handoutMasterId r:id="rId15"/>
+    <p:handoutMasterId r:id="rId17"/>
   </p:handoutMasterIdLst>
   <p:sldIdLst>
     <p:sldId id="281" r:id="rId5"/>
@@ -18,8 +18,10 @@
     <p:sldId id="279" r:id="rId9"/>
     <p:sldId id="293" r:id="rId10"/>
     <p:sldId id="266" r:id="rId11"/>
-    <p:sldId id="292" r:id="rId12"/>
-    <p:sldId id="282" r:id="rId13"/>
+    <p:sldId id="295" r:id="rId12"/>
+    <p:sldId id="294" r:id="rId13"/>
+    <p:sldId id="292" r:id="rId14"/>
+    <p:sldId id="282" r:id="rId15"/>
   </p:sldIdLst>
   <p:sldSz cx="12192000" cy="6858000"/>
   <p:notesSz cx="6858000" cy="9144000"/>
@@ -138,7 +140,7 @@
 <file path=ppt/revisionInfo.xml><?xml version="1.0" encoding="utf-8"?>
 <p1510:revInfo xmlns:a="http://schemas.openxmlformats.org/drawingml/2006/main" xmlns:r="http://schemas.openxmlformats.org/officeDocument/2006/relationships" xmlns:p1510="http://schemas.microsoft.com/office/powerpoint/2015/10/main">
   <p1510:revLst>
-    <p1510:client id="{DCA35910-7761-D448-8F27-969ADBC71811}" v="20" dt="2025-07-29T17:41:23.670"/>
+    <p1510:client id="{DCA35910-7761-D448-8F27-969ADBC71811}" v="30" dt="2025-08-12T14:35:07.767"/>
   </p1510:revLst>
 </p1510:revInfo>
 </file>
@@ -147,8 +149,8 @@
 <pc:chgInfo xmlns:a="http://schemas.openxmlformats.org/drawingml/2006/main" xmlns:r="http://schemas.openxmlformats.org/officeDocument/2006/relationships" xmlns:ac="http://schemas.microsoft.com/office/drawing/2013/main/command" xmlns:pc="http://schemas.microsoft.com/office/powerpoint/2013/main/command">
   <pc:docChgLst>
     <pc:chgData name="shana lefevre" userId="3178b506-1442-43b5-b8dd-c16a27229a2d" providerId="ADAL" clId="{DCA35910-7761-D448-8F27-969ADBC71811}"/>
-    <pc:docChg chg="undo custSel delSld modSld sldOrd modMainMaster modShowInfo">
-      <pc:chgData name="shana lefevre" userId="3178b506-1442-43b5-b8dd-c16a27229a2d" providerId="ADAL" clId="{DCA35910-7761-D448-8F27-969ADBC71811}" dt="2025-07-29T17:43:44.613" v="495" actId="1076"/>
+    <pc:docChg chg="undo custSel addSld delSld modSld sldOrd modMainMaster modShowInfo">
+      <pc:chgData name="shana lefevre" userId="3178b506-1442-43b5-b8dd-c16a27229a2d" providerId="ADAL" clId="{DCA35910-7761-D448-8F27-969ADBC71811}" dt="2025-08-12T14:38:29.385" v="880" actId="20577"/>
       <pc:docMkLst>
         <pc:docMk/>
       </pc:docMkLst>
@@ -158,14 +160,6 @@
           <pc:docMk/>
           <pc:sldMk cId="3666674671" sldId="261"/>
         </pc:sldMkLst>
-        <pc:picChg chg="mod">
-          <ac:chgData name="shana lefevre" userId="3178b506-1442-43b5-b8dd-c16a27229a2d" providerId="ADAL" clId="{DCA35910-7761-D448-8F27-969ADBC71811}" dt="2025-07-29T17:40:41.308" v="395" actId="1076"/>
-          <ac:picMkLst>
-            <pc:docMk/>
-            <pc:sldMk cId="3666674671" sldId="261"/>
-            <ac:picMk id="20" creationId="{59669B42-CC26-1A2A-1FE7-526E425D0191}"/>
-          </ac:picMkLst>
-        </pc:picChg>
       </pc:sldChg>
       <pc:sldChg chg="delSp del">
         <pc:chgData name="shana lefevre" userId="3178b506-1442-43b5-b8dd-c16a27229a2d" providerId="ADAL" clId="{DCA35910-7761-D448-8F27-969ADBC71811}" dt="2025-07-29T17:42:32.669" v="419" actId="2696"/>
@@ -173,29 +167,93 @@
           <pc:docMk/>
           <pc:sldMk cId="729609147" sldId="265"/>
         </pc:sldMkLst>
-        <pc:spChg chg="del">
-          <ac:chgData name="shana lefevre" userId="3178b506-1442-43b5-b8dd-c16a27229a2d" providerId="ADAL" clId="{DCA35910-7761-D448-8F27-969ADBC71811}" dt="2025-07-29T17:38:57.960" v="387"/>
-          <ac:spMkLst>
-            <pc:docMk/>
-            <pc:sldMk cId="729609147" sldId="265"/>
-            <ac:spMk id="3" creationId="{F32DA77B-9A0D-22A3-4906-425D70B90660}"/>
-          </ac:spMkLst>
-        </pc:spChg>
       </pc:sldChg>
-      <pc:sldChg chg="delSp">
-        <pc:chgData name="shana lefevre" userId="3178b506-1442-43b5-b8dd-c16a27229a2d" providerId="ADAL" clId="{DCA35910-7761-D448-8F27-969ADBC71811}" dt="2025-07-29T17:38:57.960" v="387"/>
+      <pc:sldChg chg="addSp delSp modSp mod">
+        <pc:chgData name="shana lefevre" userId="3178b506-1442-43b5-b8dd-c16a27229a2d" providerId="ADAL" clId="{DCA35910-7761-D448-8F27-969ADBC71811}" dt="2025-08-12T14:07:46.010" v="711" actId="1076"/>
         <pc:sldMkLst>
           <pc:docMk/>
           <pc:sldMk cId="643777997" sldId="266"/>
         </pc:sldMkLst>
-        <pc:spChg chg="del">
-          <ac:chgData name="shana lefevre" userId="3178b506-1442-43b5-b8dd-c16a27229a2d" providerId="ADAL" clId="{DCA35910-7761-D448-8F27-969ADBC71811}" dt="2025-07-29T17:38:57.960" v="387"/>
+        <pc:spChg chg="mod">
+          <ac:chgData name="shana lefevre" userId="3178b506-1442-43b5-b8dd-c16a27229a2d" providerId="ADAL" clId="{DCA35910-7761-D448-8F27-969ADBC71811}" dt="2025-08-12T13:55:36.581" v="625" actId="20577"/>
           <ac:spMkLst>
             <pc:docMk/>
             <pc:sldMk cId="643777997" sldId="266"/>
-            <ac:spMk id="6" creationId="{6F5D9932-1434-552E-7151-5B0DC0F193B6}"/>
+            <ac:spMk id="2" creationId="{5D030A76-B788-B363-104E-266B7C7F7208}"/>
           </ac:spMkLst>
         </pc:spChg>
+        <pc:spChg chg="del mod">
+          <ac:chgData name="shana lefevre" userId="3178b506-1442-43b5-b8dd-c16a27229a2d" providerId="ADAL" clId="{DCA35910-7761-D448-8F27-969ADBC71811}" dt="2025-08-12T13:54:48.523" v="605" actId="478"/>
+          <ac:spMkLst>
+            <pc:docMk/>
+            <pc:sldMk cId="643777997" sldId="266"/>
+            <ac:spMk id="3" creationId="{05948542-FCE1-3AE6-C6C9-17975609DF70}"/>
+          </ac:spMkLst>
+        </pc:spChg>
+        <pc:spChg chg="del mod">
+          <ac:chgData name="shana lefevre" userId="3178b506-1442-43b5-b8dd-c16a27229a2d" providerId="ADAL" clId="{DCA35910-7761-D448-8F27-969ADBC71811}" dt="2025-08-12T13:55:08.922" v="610" actId="478"/>
+          <ac:spMkLst>
+            <pc:docMk/>
+            <pc:sldMk cId="643777997" sldId="266"/>
+            <ac:spMk id="4" creationId="{3EE67564-0457-E486-97D0-8109D2C97B3F}"/>
+          </ac:spMkLst>
+        </pc:spChg>
+        <pc:spChg chg="ord">
+          <ac:chgData name="shana lefevre" userId="3178b506-1442-43b5-b8dd-c16a27229a2d" providerId="ADAL" clId="{DCA35910-7761-D448-8F27-969ADBC71811}" dt="2025-08-12T13:54:55.244" v="607" actId="26606"/>
+          <ac:spMkLst>
+            <pc:docMk/>
+            <pc:sldMk cId="643777997" sldId="266"/>
+            <ac:spMk id="5" creationId="{3EE39F69-A1C6-AF25-B91E-7EEE8ED9E9D8}"/>
+          </ac:spMkLst>
+        </pc:spChg>
+        <pc:spChg chg="mod">
+          <ac:chgData name="shana lefevre" userId="3178b506-1442-43b5-b8dd-c16a27229a2d" providerId="ADAL" clId="{DCA35910-7761-D448-8F27-969ADBC71811}" dt="2025-08-12T13:54:55.244" v="607" actId="26606"/>
+          <ac:spMkLst>
+            <pc:docMk/>
+            <pc:sldMk cId="643777997" sldId="266"/>
+            <ac:spMk id="7" creationId="{E5515D61-4A1E-00E9-F33B-129B675672BB}"/>
+          </ac:spMkLst>
+        </pc:spChg>
+        <pc:spChg chg="add del mod">
+          <ac:chgData name="shana lefevre" userId="3178b506-1442-43b5-b8dd-c16a27229a2d" providerId="ADAL" clId="{DCA35910-7761-D448-8F27-969ADBC71811}" dt="2025-08-12T13:54:51.340" v="606"/>
+          <ac:spMkLst>
+            <pc:docMk/>
+            <pc:sldMk cId="643777997" sldId="266"/>
+            <ac:spMk id="8" creationId="{B888B97F-3520-6101-DE9B-0AF41A0C1152}"/>
+          </ac:spMkLst>
+        </pc:spChg>
+        <pc:spChg chg="add del mod">
+          <ac:chgData name="shana lefevre" userId="3178b506-1442-43b5-b8dd-c16a27229a2d" providerId="ADAL" clId="{DCA35910-7761-D448-8F27-969ADBC71811}" dt="2025-08-12T13:55:10.508" v="611" actId="478"/>
+          <ac:spMkLst>
+            <pc:docMk/>
+            <pc:sldMk cId="643777997" sldId="266"/>
+            <ac:spMk id="11" creationId="{18BD500B-EF14-4089-6F1A-96D067E302DA}"/>
+          </ac:spMkLst>
+        </pc:spChg>
+        <pc:spChg chg="add mod">
+          <ac:chgData name="shana lefevre" userId="3178b506-1442-43b5-b8dd-c16a27229a2d" providerId="ADAL" clId="{DCA35910-7761-D448-8F27-969ADBC71811}" dt="2025-08-12T14:07:46.010" v="711" actId="1076"/>
+          <ac:spMkLst>
+            <pc:docMk/>
+            <pc:sldMk cId="643777997" sldId="266"/>
+            <ac:spMk id="13" creationId="{D3D68880-E43B-9076-D8AD-95532D8270A5}"/>
+          </ac:spMkLst>
+        </pc:spChg>
+        <pc:picChg chg="add mod ord">
+          <ac:chgData name="shana lefevre" userId="3178b506-1442-43b5-b8dd-c16a27229a2d" providerId="ADAL" clId="{DCA35910-7761-D448-8F27-969ADBC71811}" dt="2025-08-12T14:06:34.448" v="688" actId="1076"/>
+          <ac:picMkLst>
+            <pc:docMk/>
+            <pc:sldMk cId="643777997" sldId="266"/>
+            <ac:picMk id="9" creationId="{AB74DE97-3318-0544-A793-17457293653A}"/>
+          </ac:picMkLst>
+        </pc:picChg>
+        <pc:picChg chg="add mod">
+          <ac:chgData name="shana lefevre" userId="3178b506-1442-43b5-b8dd-c16a27229a2d" providerId="ADAL" clId="{DCA35910-7761-D448-8F27-969ADBC71811}" dt="2025-08-12T14:06:27.906" v="686" actId="1076"/>
+          <ac:picMkLst>
+            <pc:docMk/>
+            <pc:sldMk cId="643777997" sldId="266"/>
+            <ac:picMk id="12" creationId="{A50E8A80-3F17-5410-919D-CB7B0E9F1547}"/>
+          </ac:picMkLst>
+        </pc:picChg>
       </pc:sldChg>
       <pc:sldChg chg="delSp del">
         <pc:chgData name="shana lefevre" userId="3178b506-1442-43b5-b8dd-c16a27229a2d" providerId="ADAL" clId="{DCA35910-7761-D448-8F27-969ADBC71811}" dt="2025-07-29T17:42:33.431" v="421" actId="2696"/>
@@ -203,14 +261,6 @@
           <pc:docMk/>
           <pc:sldMk cId="4259977132" sldId="268"/>
         </pc:sldMkLst>
-        <pc:spChg chg="del">
-          <ac:chgData name="shana lefevre" userId="3178b506-1442-43b5-b8dd-c16a27229a2d" providerId="ADAL" clId="{DCA35910-7761-D448-8F27-969ADBC71811}" dt="2025-07-29T17:38:57.960" v="387"/>
-          <ac:spMkLst>
-            <pc:docMk/>
-            <pc:sldMk cId="4259977132" sldId="268"/>
-            <ac:spMk id="4" creationId="{483E903B-E129-584D-25A1-D851F5F98960}"/>
-          </ac:spMkLst>
-        </pc:spChg>
       </pc:sldChg>
       <pc:sldChg chg="del">
         <pc:chgData name="shana lefevre" userId="3178b506-1442-43b5-b8dd-c16a27229a2d" providerId="ADAL" clId="{DCA35910-7761-D448-8F27-969ADBC71811}" dt="2025-07-29T17:42:32.328" v="418" actId="2696"/>
@@ -248,14 +298,6 @@
             <ac:spMk id="3" creationId="{8CBBBCDF-77E7-4332-AB3B-8A7204FAF8BD}"/>
           </ac:spMkLst>
         </pc:spChg>
-        <pc:spChg chg="add del mod">
-          <ac:chgData name="shana lefevre" userId="3178b506-1442-43b5-b8dd-c16a27229a2d" providerId="ADAL" clId="{DCA35910-7761-D448-8F27-969ADBC71811}" dt="2025-07-29T17:19:45.118" v="43"/>
-          <ac:spMkLst>
-            <pc:docMk/>
-            <pc:sldMk cId="3930438526" sldId="278"/>
-            <ac:spMk id="4" creationId="{4C559A2C-4FEA-4138-03C1-6C72941E1DE5}"/>
-          </ac:spMkLst>
-        </pc:spChg>
         <pc:picChg chg="mod">
           <ac:chgData name="shana lefevre" userId="3178b506-1442-43b5-b8dd-c16a27229a2d" providerId="ADAL" clId="{DCA35910-7761-D448-8F27-969ADBC71811}" dt="2025-07-29T17:20:53.955" v="94" actId="1076"/>
           <ac:picMkLst>
@@ -285,22 +327,6 @@
             <pc:docMk/>
             <pc:sldMk cId="2243159397" sldId="279"/>
             <ac:spMk id="2" creationId="{47A9874B-BCA9-8420-1595-EDD1865A099A}"/>
-          </ac:spMkLst>
-        </pc:spChg>
-        <pc:spChg chg="del mod">
-          <ac:chgData name="shana lefevre" userId="3178b506-1442-43b5-b8dd-c16a27229a2d" providerId="ADAL" clId="{DCA35910-7761-D448-8F27-969ADBC71811}" dt="2025-07-29T17:23:09.450" v="102" actId="478"/>
-          <ac:spMkLst>
-            <pc:docMk/>
-            <pc:sldMk cId="2243159397" sldId="279"/>
-            <ac:spMk id="4" creationId="{ACFBB810-3430-2C29-1AA0-9744AA0A1AA3}"/>
-          </ac:spMkLst>
-        </pc:spChg>
-        <pc:spChg chg="del">
-          <ac:chgData name="shana lefevre" userId="3178b506-1442-43b5-b8dd-c16a27229a2d" providerId="ADAL" clId="{DCA35910-7761-D448-8F27-969ADBC71811}" dt="2025-07-29T17:38:57.960" v="387"/>
-          <ac:spMkLst>
-            <pc:docMk/>
-            <pc:sldMk cId="2243159397" sldId="279"/>
-            <ac:spMk id="6" creationId="{7DF1DD5B-2DD4-24F4-8060-848B23FBB559}"/>
           </ac:spMkLst>
         </pc:spChg>
         <pc:spChg chg="mod">
@@ -373,28 +399,12 @@
             <ac:spMk id="9" creationId="{A360DB0B-FF65-AD24-7A03-D5BEE3EF033F}"/>
           </ac:spMkLst>
         </pc:spChg>
-        <pc:picChg chg="del mod">
-          <ac:chgData name="shana lefevre" userId="3178b506-1442-43b5-b8dd-c16a27229a2d" providerId="ADAL" clId="{DCA35910-7761-D448-8F27-969ADBC71811}" dt="2025-07-29T17:35:39.690" v="367" actId="478"/>
-          <ac:picMkLst>
-            <pc:docMk/>
-            <pc:sldMk cId="639264769" sldId="281"/>
-            <ac:picMk id="3" creationId="{6043B0AE-D099-6D13-E317-8701181A2008}"/>
-          </ac:picMkLst>
-        </pc:picChg>
         <pc:picChg chg="mod">
           <ac:chgData name="shana lefevre" userId="3178b506-1442-43b5-b8dd-c16a27229a2d" providerId="ADAL" clId="{DCA35910-7761-D448-8F27-969ADBC71811}" dt="2025-07-29T17:31:19.774" v="310" actId="1076"/>
           <ac:picMkLst>
             <pc:docMk/>
             <pc:sldMk cId="639264769" sldId="281"/>
             <ac:picMk id="4" creationId="{782ED2F6-AFB3-9199-3999-2B5E4BAF2423}"/>
-          </ac:picMkLst>
-        </pc:picChg>
-        <pc:picChg chg="del mod">
-          <ac:chgData name="shana lefevre" userId="3178b506-1442-43b5-b8dd-c16a27229a2d" providerId="ADAL" clId="{DCA35910-7761-D448-8F27-969ADBC71811}" dt="2025-07-29T17:35:38.583" v="366" actId="478"/>
-          <ac:picMkLst>
-            <pc:docMk/>
-            <pc:sldMk cId="639264769" sldId="281"/>
-            <ac:picMk id="7" creationId="{28113434-CD4B-F15E-E817-972E593AF5CF}"/>
           </ac:picMkLst>
         </pc:picChg>
       </pc:sldChg>
@@ -435,46 +445,6 @@
             <ac:spMk id="2" creationId="{081AD706-11EF-C258-EBD5-C4EEFEAACF16}"/>
           </ac:spMkLst>
         </pc:spChg>
-        <pc:spChg chg="del mod">
-          <ac:chgData name="shana lefevre" userId="3178b506-1442-43b5-b8dd-c16a27229a2d" providerId="ADAL" clId="{DCA35910-7761-D448-8F27-969ADBC71811}" dt="2025-07-29T17:41:49.483" v="415" actId="26606"/>
-          <ac:spMkLst>
-            <pc:docMk/>
-            <pc:sldMk cId="1672017990" sldId="284"/>
-            <ac:spMk id="3" creationId="{992EC4A8-49EE-CF82-CFDC-BA9308ED0D65}"/>
-          </ac:spMkLst>
-        </pc:spChg>
-        <pc:spChg chg="add del mod">
-          <ac:chgData name="shana lefevre" userId="3178b506-1442-43b5-b8dd-c16a27229a2d" providerId="ADAL" clId="{DCA35910-7761-D448-8F27-969ADBC71811}" dt="2025-07-29T17:35:34.693" v="365" actId="478"/>
-          <ac:spMkLst>
-            <pc:docMk/>
-            <pc:sldMk cId="1672017990" sldId="284"/>
-            <ac:spMk id="5" creationId="{87730AEF-5851-6EBA-E3C9-6F393D24A325}"/>
-          </ac:spMkLst>
-        </pc:spChg>
-        <pc:spChg chg="add del mod">
-          <ac:chgData name="shana lefevre" userId="3178b506-1442-43b5-b8dd-c16a27229a2d" providerId="ADAL" clId="{DCA35910-7761-D448-8F27-969ADBC71811}" dt="2025-07-29T17:39:14.273" v="390"/>
-          <ac:spMkLst>
-            <pc:docMk/>
-            <pc:sldMk cId="1672017990" sldId="284"/>
-            <ac:spMk id="6" creationId="{6EF628B2-8735-5A2C-4A8F-E3C5B2342557}"/>
-          </ac:spMkLst>
-        </pc:spChg>
-        <pc:spChg chg="add del mod">
-          <ac:chgData name="shana lefevre" userId="3178b506-1442-43b5-b8dd-c16a27229a2d" providerId="ADAL" clId="{DCA35910-7761-D448-8F27-969ADBC71811}" dt="2025-07-29T17:41:22.031" v="410" actId="478"/>
-          <ac:spMkLst>
-            <pc:docMk/>
-            <pc:sldMk cId="1672017990" sldId="284"/>
-            <ac:spMk id="7" creationId="{D484A516-9984-E783-7EFC-812A74C8644D}"/>
-          </ac:spMkLst>
-        </pc:spChg>
-        <pc:spChg chg="add del mod">
-          <ac:chgData name="shana lefevre" userId="3178b506-1442-43b5-b8dd-c16a27229a2d" providerId="ADAL" clId="{DCA35910-7761-D448-8F27-969ADBC71811}" dt="2025-07-29T17:41:29.935" v="414"/>
-          <ac:spMkLst>
-            <pc:docMk/>
-            <pc:sldMk cId="1672017990" sldId="284"/>
-            <ac:spMk id="8" creationId="{D106DEE2-00D1-2B62-53C2-74910A480ADE}"/>
-          </ac:spMkLst>
-        </pc:spChg>
         <pc:spChg chg="add mod">
           <ac:chgData name="shana lefevre" userId="3178b506-1442-43b5-b8dd-c16a27229a2d" providerId="ADAL" clId="{DCA35910-7761-D448-8F27-969ADBC71811}" dt="2025-07-29T17:41:49.483" v="415" actId="26606"/>
           <ac:spMkLst>
@@ -491,14 +461,6 @@
             <ac:graphicFrameMk id="10" creationId="{AC85F537-3AD2-FF10-2998-9E2AD49139BB}"/>
           </ac:graphicFrameMkLst>
         </pc:graphicFrameChg>
-        <pc:picChg chg="del mod">
-          <ac:chgData name="shana lefevre" userId="3178b506-1442-43b5-b8dd-c16a27229a2d" providerId="ADAL" clId="{DCA35910-7761-D448-8F27-969ADBC71811}" dt="2025-07-29T17:35:33.282" v="363" actId="478"/>
-          <ac:picMkLst>
-            <pc:docMk/>
-            <pc:sldMk cId="1672017990" sldId="284"/>
-            <ac:picMk id="15" creationId="{E4DF753A-3575-A0D9-5135-8A94308DC038}"/>
-          </ac:picMkLst>
-        </pc:picChg>
       </pc:sldChg>
       <pc:sldChg chg="delSp">
         <pc:chgData name="shana lefevre" userId="3178b506-1442-43b5-b8dd-c16a27229a2d" providerId="ADAL" clId="{DCA35910-7761-D448-8F27-969ADBC71811}" dt="2025-07-29T17:38:57.960" v="387"/>
@@ -506,17 +468,9 @@
           <pc:docMk/>
           <pc:sldMk cId="4233691277" sldId="292"/>
         </pc:sldMkLst>
-        <pc:spChg chg="del">
-          <ac:chgData name="shana lefevre" userId="3178b506-1442-43b5-b8dd-c16a27229a2d" providerId="ADAL" clId="{DCA35910-7761-D448-8F27-969ADBC71811}" dt="2025-07-29T17:38:57.960" v="387"/>
-          <ac:spMkLst>
-            <pc:docMk/>
-            <pc:sldMk cId="4233691277" sldId="292"/>
-            <ac:spMk id="3" creationId="{AE7CAF12-EFD9-1FA1-8A1F-00DFF3348342}"/>
-          </ac:spMkLst>
-        </pc:spChg>
       </pc:sldChg>
-      <pc:sldChg chg="modSp mod ord">
-        <pc:chgData name="shana lefevre" userId="3178b506-1442-43b5-b8dd-c16a27229a2d" providerId="ADAL" clId="{DCA35910-7761-D448-8F27-969ADBC71811}" dt="2025-07-29T17:32:01.877" v="319" actId="113"/>
+      <pc:sldChg chg="modSp mod ord modNotesTx">
+        <pc:chgData name="shana lefevre" userId="3178b506-1442-43b5-b8dd-c16a27229a2d" providerId="ADAL" clId="{DCA35910-7761-D448-8F27-969ADBC71811}" dt="2025-08-12T13:50:28.610" v="602" actId="20577"/>
         <pc:sldMkLst>
           <pc:docMk/>
           <pc:sldMk cId="2826955880" sldId="293"/>
@@ -530,6 +484,13 @@
           </ac:spMkLst>
         </pc:spChg>
       </pc:sldChg>
+      <pc:sldChg chg="add">
+        <pc:chgData name="shana lefevre" userId="3178b506-1442-43b5-b8dd-c16a27229a2d" providerId="ADAL" clId="{DCA35910-7761-D448-8F27-969ADBC71811}" dt="2025-08-12T13:53:39.326" v="603" actId="2890"/>
+        <pc:sldMkLst>
+          <pc:docMk/>
+          <pc:sldMk cId="1268040933" sldId="294"/>
+        </pc:sldMkLst>
+      </pc:sldChg>
       <pc:sldChg chg="del">
         <pc:chgData name="shana lefevre" userId="3178b506-1442-43b5-b8dd-c16a27229a2d" providerId="ADAL" clId="{DCA35910-7761-D448-8F27-969ADBC71811}" dt="2025-07-29T17:40:32.009" v="394" actId="2696"/>
         <pc:sldMkLst>
@@ -537,8 +498,119 @@
           <pc:sldMk cId="1693568165" sldId="294"/>
         </pc:sldMkLst>
       </pc:sldChg>
+      <pc:sldChg chg="addSp delSp modSp add mod modClrScheme chgLayout">
+        <pc:chgData name="shana lefevre" userId="3178b506-1442-43b5-b8dd-c16a27229a2d" providerId="ADAL" clId="{DCA35910-7761-D448-8F27-969ADBC71811}" dt="2025-08-12T14:38:29.385" v="880" actId="20577"/>
+        <pc:sldMkLst>
+          <pc:docMk/>
+          <pc:sldMk cId="1385235648" sldId="295"/>
+        </pc:sldMkLst>
+        <pc:spChg chg="mod">
+          <ac:chgData name="shana lefevre" userId="3178b506-1442-43b5-b8dd-c16a27229a2d" providerId="ADAL" clId="{DCA35910-7761-D448-8F27-969ADBC71811}" dt="2025-08-12T14:30:47.447" v="731" actId="26606"/>
+          <ac:spMkLst>
+            <pc:docMk/>
+            <pc:sldMk cId="1385235648" sldId="295"/>
+            <ac:spMk id="2" creationId="{BE4468A1-3700-51B7-A057-1280B274FA3B}"/>
+          </ac:spMkLst>
+        </pc:spChg>
+        <pc:spChg chg="add del mod">
+          <ac:chgData name="shana lefevre" userId="3178b506-1442-43b5-b8dd-c16a27229a2d" providerId="ADAL" clId="{DCA35910-7761-D448-8F27-969ADBC71811}" dt="2025-08-12T14:09:28.066" v="713" actId="931"/>
+          <ac:spMkLst>
+            <pc:docMk/>
+            <pc:sldMk cId="1385235648" sldId="295"/>
+            <ac:spMk id="4" creationId="{CC1A44DD-FFE9-A71D-6252-B25FC01F58C0}"/>
+          </ac:spMkLst>
+        </pc:spChg>
+        <pc:spChg chg="mod">
+          <ac:chgData name="shana lefevre" userId="3178b506-1442-43b5-b8dd-c16a27229a2d" providerId="ADAL" clId="{DCA35910-7761-D448-8F27-969ADBC71811}" dt="2025-08-12T14:30:47.451" v="732" actId="26606"/>
+          <ac:spMkLst>
+            <pc:docMk/>
+            <pc:sldMk cId="1385235648" sldId="295"/>
+            <ac:spMk id="7" creationId="{81CEA6F6-69E0-10F4-42EA-E58B40CE0BF0}"/>
+          </ac:spMkLst>
+        </pc:spChg>
+        <pc:spChg chg="add del mod">
+          <ac:chgData name="shana lefevre" userId="3178b506-1442-43b5-b8dd-c16a27229a2d" providerId="ADAL" clId="{DCA35910-7761-D448-8F27-969ADBC71811}" dt="2025-08-12T14:27:49.929" v="717" actId="931"/>
+          <ac:spMkLst>
+            <pc:docMk/>
+            <pc:sldMk cId="1385235648" sldId="295"/>
+            <ac:spMk id="11" creationId="{8ECCA47F-FB47-315A-26A4-ED22B90C72F5}"/>
+          </ac:spMkLst>
+        </pc:spChg>
+        <pc:spChg chg="add del">
+          <ac:chgData name="shana lefevre" userId="3178b506-1442-43b5-b8dd-c16a27229a2d" providerId="ADAL" clId="{DCA35910-7761-D448-8F27-969ADBC71811}" dt="2025-08-12T14:30:44.806" v="723" actId="26606"/>
+          <ac:spMkLst>
+            <pc:docMk/>
+            <pc:sldMk cId="1385235648" sldId="295"/>
+            <ac:spMk id="18" creationId="{FADBFBB4-9784-9954-450C-0379E550B62B}"/>
+          </ac:spMkLst>
+        </pc:spChg>
+        <pc:spChg chg="add del">
+          <ac:chgData name="shana lefevre" userId="3178b506-1442-43b5-b8dd-c16a27229a2d" providerId="ADAL" clId="{DCA35910-7761-D448-8F27-969ADBC71811}" dt="2025-08-12T14:30:45.676" v="725" actId="26606"/>
+          <ac:spMkLst>
+            <pc:docMk/>
+            <pc:sldMk cId="1385235648" sldId="295"/>
+            <ac:spMk id="20" creationId="{4A2A59F9-F296-417A-1C2F-BBB2C8E1097C}"/>
+          </ac:spMkLst>
+        </pc:spChg>
+        <pc:spChg chg="add del mod">
+          <ac:chgData name="shana lefevre" userId="3178b506-1442-43b5-b8dd-c16a27229a2d" providerId="ADAL" clId="{DCA35910-7761-D448-8F27-969ADBC71811}" dt="2025-08-12T14:30:46.226" v="727" actId="26606"/>
+          <ac:spMkLst>
+            <pc:docMk/>
+            <pc:sldMk cId="1385235648" sldId="295"/>
+            <ac:spMk id="22" creationId="{C6ED634F-34C6-F3D2-B863-E2CED7AE7AD3}"/>
+          </ac:spMkLst>
+        </pc:spChg>
+        <pc:spChg chg="add del mod">
+          <ac:chgData name="shana lefevre" userId="3178b506-1442-43b5-b8dd-c16a27229a2d" providerId="ADAL" clId="{DCA35910-7761-D448-8F27-969ADBC71811}" dt="2025-08-12T14:30:46.811" v="729" actId="26606"/>
+          <ac:spMkLst>
+            <pc:docMk/>
+            <pc:sldMk cId="1385235648" sldId="295"/>
+            <ac:spMk id="24" creationId="{5C9719F1-5632-6504-C81D-E092A7DCBD8F}"/>
+          </ac:spMkLst>
+        </pc:spChg>
+        <pc:spChg chg="add del mod">
+          <ac:chgData name="shana lefevre" userId="3178b506-1442-43b5-b8dd-c16a27229a2d" providerId="ADAL" clId="{DCA35910-7761-D448-8F27-969ADBC71811}" dt="2025-08-12T14:30:47.447" v="731" actId="26606"/>
+          <ac:spMkLst>
+            <pc:docMk/>
+            <pc:sldMk cId="1385235648" sldId="295"/>
+            <ac:spMk id="26" creationId="{C6ED634F-34C6-F3D2-B863-E2CED7AE7AD3}"/>
+          </ac:spMkLst>
+        </pc:spChg>
+        <pc:spChg chg="add mod">
+          <ac:chgData name="shana lefevre" userId="3178b506-1442-43b5-b8dd-c16a27229a2d" providerId="ADAL" clId="{DCA35910-7761-D448-8F27-969ADBC71811}" dt="2025-08-12T14:38:29.385" v="880" actId="20577"/>
+          <ac:spMkLst>
+            <pc:docMk/>
+            <pc:sldMk cId="1385235648" sldId="295"/>
+            <ac:spMk id="28" creationId="{4A2A59F9-F296-417A-1C2F-BBB2C8E1097C}"/>
+          </ac:spMkLst>
+        </pc:spChg>
+        <pc:picChg chg="add del mod">
+          <ac:chgData name="shana lefevre" userId="3178b506-1442-43b5-b8dd-c16a27229a2d" providerId="ADAL" clId="{DCA35910-7761-D448-8F27-969ADBC71811}" dt="2025-08-12T14:15:51.383" v="716" actId="478"/>
+          <ac:picMkLst>
+            <pc:docMk/>
+            <pc:sldMk cId="1385235648" sldId="295"/>
+            <ac:picMk id="8" creationId="{03269FD6-A821-276C-D6DD-7FFDEE01D456}"/>
+          </ac:picMkLst>
+        </pc:picChg>
+        <pc:picChg chg="del">
+          <ac:chgData name="shana lefevre" userId="3178b506-1442-43b5-b8dd-c16a27229a2d" providerId="ADAL" clId="{DCA35910-7761-D448-8F27-969ADBC71811}" dt="2025-08-12T14:08:09.534" v="712" actId="478"/>
+          <ac:picMkLst>
+            <pc:docMk/>
+            <pc:sldMk cId="1385235648" sldId="295"/>
+            <ac:picMk id="9" creationId="{A2F3F042-4F4C-A201-8C96-7D76C9DD8C21}"/>
+          </ac:picMkLst>
+        </pc:picChg>
+        <pc:picChg chg="add mod ord">
+          <ac:chgData name="shana lefevre" userId="3178b506-1442-43b5-b8dd-c16a27229a2d" providerId="ADAL" clId="{DCA35910-7761-D448-8F27-969ADBC71811}" dt="2025-08-12T14:30:47.451" v="732" actId="26606"/>
+          <ac:picMkLst>
+            <pc:docMk/>
+            <pc:sldMk cId="1385235648" sldId="295"/>
+            <ac:picMk id="13" creationId="{70A6C318-BC96-31E8-E65D-9CD8AA201F03}"/>
+          </ac:picMkLst>
+        </pc:picChg>
+      </pc:sldChg>
       <pc:sldMasterChg chg="addSp modSp mod modSldLayout">
-        <pc:chgData name="shana lefevre" userId="3178b506-1442-43b5-b8dd-c16a27229a2d" providerId="ADAL" clId="{DCA35910-7761-D448-8F27-969ADBC71811}" dt="2025-07-29T17:39:53.634" v="391" actId="207"/>
+        <pc:chgData name="shana lefevre" userId="3178b506-1442-43b5-b8dd-c16a27229a2d" providerId="ADAL" clId="{DCA35910-7761-D448-8F27-969ADBC71811}" dt="2025-08-12T14:04:03.240" v="677" actId="207"/>
         <pc:sldMasterMkLst>
           <pc:docMk/>
           <pc:sldMasterMk cId="1965934658" sldId="2147483648"/>
@@ -589,6 +661,40 @@
               <pc:sldMasterMk cId="1965934658" sldId="2147483648"/>
               <pc:sldLayoutMk cId="3424675042" sldId="2147483654"/>
               <ac:spMk id="7" creationId="{7A7F58C7-D277-8F14-F024-4B41D20D054F}"/>
+            </ac:spMkLst>
+          </pc:spChg>
+        </pc:sldLayoutChg>
+        <pc:sldLayoutChg chg="modSp">
+          <pc:chgData name="shana lefevre" userId="3178b506-1442-43b5-b8dd-c16a27229a2d" providerId="ADAL" clId="{DCA35910-7761-D448-8F27-969ADBC71811}" dt="2025-08-12T14:04:03.240" v="677" actId="207"/>
+          <pc:sldLayoutMkLst>
+            <pc:docMk/>
+            <pc:sldMasterMk cId="1965934658" sldId="2147483648"/>
+            <pc:sldLayoutMk cId="505290787" sldId="2147483662"/>
+          </pc:sldLayoutMkLst>
+          <pc:spChg chg="mod">
+            <ac:chgData name="shana lefevre" userId="3178b506-1442-43b5-b8dd-c16a27229a2d" providerId="ADAL" clId="{DCA35910-7761-D448-8F27-969ADBC71811}" dt="2025-08-12T14:04:03.240" v="677" actId="207"/>
+            <ac:spMkLst>
+              <pc:docMk/>
+              <pc:sldMasterMk cId="1965934658" sldId="2147483648"/>
+              <pc:sldLayoutMk cId="505290787" sldId="2147483662"/>
+              <ac:spMk id="7" creationId="{CA6AA9E1-334B-5F8F-8A92-67DD095F7838}"/>
+            </ac:spMkLst>
+          </pc:spChg>
+        </pc:sldLayoutChg>
+        <pc:sldLayoutChg chg="modSp mod">
+          <pc:chgData name="shana lefevre" userId="3178b506-1442-43b5-b8dd-c16a27229a2d" providerId="ADAL" clId="{DCA35910-7761-D448-8F27-969ADBC71811}" dt="2025-08-12T14:03:52.327" v="676" actId="207"/>
+          <pc:sldLayoutMkLst>
+            <pc:docMk/>
+            <pc:sldMasterMk cId="1965934658" sldId="2147483648"/>
+            <pc:sldLayoutMk cId="137703936" sldId="2147483664"/>
+          </pc:sldLayoutMkLst>
+          <pc:spChg chg="mod">
+            <ac:chgData name="shana lefevre" userId="3178b506-1442-43b5-b8dd-c16a27229a2d" providerId="ADAL" clId="{DCA35910-7761-D448-8F27-969ADBC71811}" dt="2025-08-12T14:03:52.327" v="676" actId="207"/>
+            <ac:spMkLst>
+              <pc:docMk/>
+              <pc:sldMasterMk cId="1965934658" sldId="2147483648"/>
+              <pc:sldLayoutMk cId="137703936" sldId="2147483664"/>
+              <ac:spMk id="7" creationId="{CA6AA9E1-334B-5F8F-8A92-67DD095F7838}"/>
             </ac:spMkLst>
           </pc:spChg>
         </pc:sldLayoutChg>
@@ -1370,10 +1476,10 @@
             <a:defRPr cap="all"/>
           </a:pPr>
           <a:r>
-            <a:rPr lang="fr-FR" baseline="0"/>
+            <a:rPr lang="fr-FR" baseline="0" dirty="0"/>
             <a:t>Présentation de l’entreprise</a:t>
           </a:r>
-          <a:endParaRPr lang="en-US"/>
+          <a:endParaRPr lang="en-US" dirty="0"/>
         </a:p>
       </dgm:t>
     </dgm:pt>
@@ -1410,10 +1516,10 @@
             <a:defRPr cap="all"/>
           </a:pPr>
           <a:r>
-            <a:rPr lang="fr-FR" baseline="0"/>
+            <a:rPr lang="fr-FR" baseline="0" dirty="0"/>
             <a:t>Mémoire</a:t>
           </a:r>
-          <a:endParaRPr lang="en-US"/>
+          <a:endParaRPr lang="en-US" dirty="0"/>
         </a:p>
       </dgm:t>
     </dgm:pt>
@@ -1728,10 +1834,10 @@
             <a:defRPr cap="all"/>
           </a:pPr>
           <a:r>
-            <a:rPr lang="fr-FR" sz="2500" kern="1200" baseline="0"/>
+            <a:rPr lang="fr-FR" sz="2500" kern="1200" baseline="0" dirty="0"/>
             <a:t>Présentation de l’entreprise</a:t>
           </a:r>
-          <a:endParaRPr lang="en-US" sz="2500" kern="1200"/>
+          <a:endParaRPr lang="en-US" sz="2500" kern="1200" dirty="0"/>
         </a:p>
       </dsp:txBody>
       <dsp:txXfrm>
@@ -1880,10 +1986,10 @@
             <a:defRPr cap="all"/>
           </a:pPr>
           <a:r>
-            <a:rPr lang="fr-FR" sz="2500" kern="1200" baseline="0"/>
+            <a:rPr lang="fr-FR" sz="2500" kern="1200" baseline="0" dirty="0"/>
             <a:t>Mémoire</a:t>
           </a:r>
-          <a:endParaRPr lang="en-US" sz="2500" kern="1200"/>
+          <a:endParaRPr lang="en-US" sz="2500" kern="1200" dirty="0"/>
         </a:p>
       </dsp:txBody>
       <dsp:txXfrm>
@@ -3200,7 +3306,7 @@
           </a:lstStyle>
           <a:p>
             <a:pPr rtl="0"/>
-            <a:endParaRPr lang="fr-FR"/>
+            <a:endParaRPr lang="fr-FR" dirty="0"/>
           </a:p>
         </p:txBody>
       </p:sp>
@@ -3240,9 +3346,9 @@
             <a:pPr rtl="0"/>
             <a:fld id="{411C1B0A-A013-4DDB-B0D3-3A001CF7B6E4}" type="datetime1">
               <a:rPr lang="fr-FR" smtClean="0"/>
-              <a:t>29/07/2025</a:t>
+              <a:t>12/08/2025</a:t>
             </a:fld>
-            <a:endParaRPr lang="fr-FR"/>
+            <a:endParaRPr lang="fr-FR" dirty="0"/>
           </a:p>
         </p:txBody>
       </p:sp>
@@ -3280,7 +3386,7 @@
           </a:lstStyle>
           <a:p>
             <a:pPr rtl="0"/>
-            <a:endParaRPr lang="fr-FR"/>
+            <a:endParaRPr lang="fr-FR" dirty="0"/>
           </a:p>
         </p:txBody>
       </p:sp>
@@ -3322,7 +3428,7 @@
               <a:rPr lang="fr-FR" smtClean="0"/>
               <a:t>‹N°›</a:t>
             </a:fld>
-            <a:endParaRPr lang="fr-FR"/>
+            <a:endParaRPr lang="fr-FR" dirty="0"/>
           </a:p>
         </p:txBody>
       </p:sp>
@@ -3388,7 +3494,7 @@
           </a:lstStyle>
           <a:p>
             <a:pPr rtl="0"/>
-            <a:endParaRPr lang="fr-FR"/>
+            <a:endParaRPr lang="fr-FR" dirty="0"/>
           </a:p>
         </p:txBody>
       </p:sp>
@@ -3422,9 +3528,9 @@
             <a:pPr rtl="0"/>
             <a:fld id="{26FC2A55-8FA0-4180-97B7-2E55F273F157}" type="datetime1">
               <a:rPr lang="fr-FR" smtClean="0"/>
-              <a:t>29/07/2025</a:t>
+              <a:t>12/08/2025</a:t>
             </a:fld>
-            <a:endParaRPr lang="fr-FR"/>
+            <a:endParaRPr lang="fr-FR" dirty="0"/>
           </a:p>
         </p:txBody>
       </p:sp>
@@ -3462,7 +3568,7 @@
           </a:lstStyle>
           <a:p>
             <a:pPr rtl="0"/>
-            <a:endParaRPr lang="fr-FR"/>
+            <a:endParaRPr lang="fr-FR" dirty="0"/>
           </a:p>
         </p:txBody>
       </p:sp>
@@ -3557,7 +3663,7 @@
           </a:lstStyle>
           <a:p>
             <a:pPr rtl="0"/>
-            <a:endParaRPr lang="fr-FR"/>
+            <a:endParaRPr lang="fr-FR" dirty="0"/>
           </a:p>
         </p:txBody>
       </p:sp>
@@ -3593,7 +3699,7 @@
               <a:rPr lang="fr-FR" smtClean="0"/>
               <a:t>‹N°›</a:t>
             </a:fld>
-            <a:endParaRPr lang="fr-FR"/>
+            <a:endParaRPr lang="fr-FR" dirty="0"/>
           </a:p>
         </p:txBody>
       </p:sp>
@@ -3778,7 +3884,7 @@
               <a:rPr lang="fr-FR" smtClean="0"/>
               <a:t>1</a:t>
             </a:fld>
-            <a:endParaRPr lang="fr-FR"/>
+            <a:endParaRPr lang="fr-FR" dirty="0"/>
           </a:p>
         </p:txBody>
       </p:sp>
@@ -3786,6 +3892,218 @@
     <p:extLst>
       <p:ext uri="{BB962C8B-B14F-4D97-AF65-F5344CB8AC3E}">
         <p14:creationId xmlns:p14="http://schemas.microsoft.com/office/powerpoint/2010/main" val="3229187347"/>
+      </p:ext>
+    </p:extLst>
+  </p:cSld>
+  <p:clrMapOvr>
+    <a:masterClrMapping/>
+  </p:clrMapOvr>
+</p:notes>
+</file>
+
+<file path=ppt/notesSlides/notesSlide10.xml><?xml version="1.0" encoding="utf-8"?>
+<p:notes xmlns:a="http://schemas.openxmlformats.org/drawingml/2006/main" xmlns:r="http://schemas.openxmlformats.org/officeDocument/2006/relationships" xmlns:p="http://schemas.openxmlformats.org/presentationml/2006/main">
+  <p:cSld>
+    <p:spTree>
+      <p:nvGrpSpPr>
+        <p:cNvPr id="1" name="">
+          <a:extLst>
+            <a:ext uri="{FF2B5EF4-FFF2-40B4-BE49-F238E27FC236}">
+              <a16:creationId xmlns:a16="http://schemas.microsoft.com/office/drawing/2014/main" id="{58F74E77-8F7F-C091-A6CD-F95913330BB6}"/>
+            </a:ext>
+          </a:extLst>
+        </p:cNvPr>
+        <p:cNvGrpSpPr/>
+        <p:nvPr/>
+      </p:nvGrpSpPr>
+      <p:grpSpPr>
+        <a:xfrm>
+          <a:off x="0" y="0"/>
+          <a:ext cx="0" cy="0"/>
+          <a:chOff x="0" y="0"/>
+          <a:chExt cx="0" cy="0"/>
+        </a:xfrm>
+      </p:grpSpPr>
+      <p:sp>
+        <p:nvSpPr>
+          <p:cNvPr id="2" name="Espace réservé de l’image des diapositives 1">
+            <a:extLst>
+              <a:ext uri="{FF2B5EF4-FFF2-40B4-BE49-F238E27FC236}">
+                <a16:creationId xmlns:a16="http://schemas.microsoft.com/office/drawing/2014/main" id="{C9FF8D03-BCD3-2516-5A17-7890FD56F6BE}"/>
+              </a:ext>
+            </a:extLst>
+          </p:cNvPr>
+          <p:cNvSpPr>
+            <a:spLocks noGrp="1" noRot="1" noChangeAspect="1"/>
+          </p:cNvSpPr>
+          <p:nvPr>
+            <p:ph type="sldImg"/>
+          </p:nvPr>
+        </p:nvSpPr>
+        <p:spPr/>
+      </p:sp>
+      <p:sp>
+        <p:nvSpPr>
+          <p:cNvPr id="3" name="Espace réservé des commentaires 2">
+            <a:extLst>
+              <a:ext uri="{FF2B5EF4-FFF2-40B4-BE49-F238E27FC236}">
+                <a16:creationId xmlns:a16="http://schemas.microsoft.com/office/drawing/2014/main" id="{7143AAD0-5D1A-5384-531C-8A99D3C15535}"/>
+              </a:ext>
+            </a:extLst>
+          </p:cNvPr>
+          <p:cNvSpPr>
+            <a:spLocks noGrp="1"/>
+          </p:cNvSpPr>
+          <p:nvPr>
+            <p:ph type="body" idx="1"/>
+          </p:nvPr>
+        </p:nvSpPr>
+        <p:spPr/>
+        <p:txBody>
+          <a:bodyPr rtlCol="0"/>
+          <a:lstStyle>
+            <a:defPPr>
+              <a:defRPr lang="fr-FR"/>
+            </a:defPPr>
+          </a:lstStyle>
+          <a:p>
+            <a:pPr rtl="0"/>
+            <a:endParaRPr lang="fr-FR" dirty="0"/>
+          </a:p>
+        </p:txBody>
+      </p:sp>
+      <p:sp>
+        <p:nvSpPr>
+          <p:cNvPr id="4" name="Espace réservé du numéro de diapositive 3">
+            <a:extLst>
+              <a:ext uri="{FF2B5EF4-FFF2-40B4-BE49-F238E27FC236}">
+                <a16:creationId xmlns:a16="http://schemas.microsoft.com/office/drawing/2014/main" id="{52E54F1F-92BA-AFB1-9D22-E7208D0FEDEF}"/>
+              </a:ext>
+            </a:extLst>
+          </p:cNvPr>
+          <p:cNvSpPr>
+            <a:spLocks noGrp="1"/>
+          </p:cNvSpPr>
+          <p:nvPr>
+            <p:ph type="sldNum" sz="quarter" idx="5"/>
+          </p:nvPr>
+        </p:nvSpPr>
+        <p:spPr/>
+        <p:txBody>
+          <a:bodyPr rtlCol="0"/>
+          <a:lstStyle>
+            <a:defPPr>
+              <a:defRPr lang="fr-FR"/>
+            </a:defPPr>
+          </a:lstStyle>
+          <a:p>
+            <a:pPr rtl="0"/>
+            <a:fld id="{55247812-3409-784D-BAE7-ABE53735D59F}" type="slidenum">
+              <a:rPr lang="fr-FR" smtClean="0"/>
+              <a:t>10</a:t>
+            </a:fld>
+            <a:endParaRPr lang="fr-FR" dirty="0"/>
+          </a:p>
+        </p:txBody>
+      </p:sp>
+    </p:spTree>
+    <p:extLst>
+      <p:ext uri="{BB962C8B-B14F-4D97-AF65-F5344CB8AC3E}">
+        <p14:creationId xmlns:p14="http://schemas.microsoft.com/office/powerpoint/2010/main" val="4126273940"/>
+      </p:ext>
+    </p:extLst>
+  </p:cSld>
+  <p:clrMapOvr>
+    <a:masterClrMapping/>
+  </p:clrMapOvr>
+</p:notes>
+</file>
+
+<file path=ppt/notesSlides/notesSlide11.xml><?xml version="1.0" encoding="utf-8"?>
+<p:notes xmlns:a="http://schemas.openxmlformats.org/drawingml/2006/main" xmlns:r="http://schemas.openxmlformats.org/officeDocument/2006/relationships" xmlns:p="http://schemas.openxmlformats.org/presentationml/2006/main">
+  <p:cSld>
+    <p:spTree>
+      <p:nvGrpSpPr>
+        <p:cNvPr id="1" name=""/>
+        <p:cNvGrpSpPr/>
+        <p:nvPr/>
+      </p:nvGrpSpPr>
+      <p:grpSpPr>
+        <a:xfrm>
+          <a:off x="0" y="0"/>
+          <a:ext cx="0" cy="0"/>
+          <a:chOff x="0" y="0"/>
+          <a:chExt cx="0" cy="0"/>
+        </a:xfrm>
+      </p:grpSpPr>
+      <p:sp>
+        <p:nvSpPr>
+          <p:cNvPr id="2" name="Espace réservé de l’image des diapositives 1"/>
+          <p:cNvSpPr>
+            <a:spLocks noGrp="1" noRot="1" noChangeAspect="1"/>
+          </p:cNvSpPr>
+          <p:nvPr>
+            <p:ph type="sldImg"/>
+          </p:nvPr>
+        </p:nvSpPr>
+        <p:spPr/>
+      </p:sp>
+      <p:sp>
+        <p:nvSpPr>
+          <p:cNvPr id="3" name="Espace réservé des commentaires 2"/>
+          <p:cNvSpPr>
+            <a:spLocks noGrp="1"/>
+          </p:cNvSpPr>
+          <p:nvPr>
+            <p:ph type="body" idx="1"/>
+          </p:nvPr>
+        </p:nvSpPr>
+        <p:spPr/>
+        <p:txBody>
+          <a:bodyPr rtlCol="0"/>
+          <a:lstStyle>
+            <a:defPPr>
+              <a:defRPr lang="fr-FR"/>
+            </a:defPPr>
+          </a:lstStyle>
+          <a:p>
+            <a:pPr rtl="0"/>
+            <a:endParaRPr lang="fr-FR" dirty="0"/>
+          </a:p>
+        </p:txBody>
+      </p:sp>
+      <p:sp>
+        <p:nvSpPr>
+          <p:cNvPr id="4" name="Espace réservé du numéro de diapositive 3"/>
+          <p:cNvSpPr>
+            <a:spLocks noGrp="1"/>
+          </p:cNvSpPr>
+          <p:nvPr>
+            <p:ph type="sldNum" sz="quarter" idx="5"/>
+          </p:nvPr>
+        </p:nvSpPr>
+        <p:spPr/>
+        <p:txBody>
+          <a:bodyPr rtlCol="0"/>
+          <a:lstStyle>
+            <a:defPPr>
+              <a:defRPr lang="fr-FR"/>
+            </a:defPPr>
+          </a:lstStyle>
+          <a:p>
+            <a:pPr rtl="0"/>
+            <a:fld id="{55247812-3409-784D-BAE7-ABE53735D59F}" type="slidenum">
+              <a:rPr lang="fr-FR" smtClean="0"/>
+              <a:t>11</a:t>
+            </a:fld>
+            <a:endParaRPr lang="fr-FR" dirty="0"/>
+          </a:p>
+        </p:txBody>
+      </p:sp>
+    </p:spTree>
+    <p:extLst>
+      <p:ext uri="{BB962C8B-B14F-4D97-AF65-F5344CB8AC3E}">
+        <p14:creationId xmlns:p14="http://schemas.microsoft.com/office/powerpoint/2010/main" val="573645474"/>
       </p:ext>
     </p:extLst>
   </p:cSld>
@@ -3896,7 +4214,7 @@
               <a:rPr lang="fr-FR" smtClean="0"/>
               <a:t>2</a:t>
             </a:fld>
-            <a:endParaRPr lang="fr-FR"/>
+            <a:endParaRPr lang="fr-FR" dirty="0"/>
           </a:p>
         </p:txBody>
       </p:sp>
@@ -3990,7 +4308,7 @@
               <a:rPr lang="fr-FR" smtClean="0"/>
               <a:t>3</a:t>
             </a:fld>
-            <a:endParaRPr lang="fr-FR"/>
+            <a:endParaRPr lang="fr-FR" dirty="0"/>
           </a:p>
         </p:txBody>
       </p:sp>
@@ -4429,30 +4747,30 @@
           </a:lstStyle>
           <a:p>
             <a:pPr rtl="0"/>
-            <a:endParaRPr lang="fr-FR" dirty="0"/>
+            <a:endParaRPr lang="fr-FR"/>
           </a:p>
           <a:p>
             <a:pPr rtl="0"/>
-            <a:endParaRPr lang="fr-FR" dirty="0"/>
+            <a:endParaRPr lang="fr-FR"/>
           </a:p>
           <a:p>
             <a:pPr rtl="0"/>
-            <a:endParaRPr lang="fr-FR" dirty="0"/>
+            <a:endParaRPr lang="fr-FR"/>
           </a:p>
           <a:p>
             <a:pPr rtl="0"/>
-            <a:endParaRPr lang="fr-FR" dirty="0"/>
-          </a:p>
-          <a:p>
-            <a:r>
-              <a:rPr lang="fr-FR" i="1" dirty="0"/>
+            <a:endParaRPr lang="fr-FR"/>
+          </a:p>
+          <a:p>
+            <a:r>
+              <a:rPr lang="fr-FR" i="1"/>
               <a:t>REDMINE : </a:t>
             </a:r>
             <a:r>
-              <a:rPr lang="fr-FR" i="1" dirty="0" err="1"/>
+              <a:rPr lang="fr-FR" i="1" err="1"/>
               <a:t>Ticketing</a:t>
             </a:r>
-            <a:endParaRPr lang="fr-FR" i="1" dirty="0"/>
+            <a:endParaRPr lang="fr-FR" i="1"/>
           </a:p>
           <a:p>
             <a:pPr marL="0" marR="0" lvl="0" indent="0" algn="l" defTabSz="914400" rtl="0" eaLnBrk="1" fontAlgn="auto" latinLnBrk="0" hangingPunct="1">
@@ -4473,14 +4791,14 @@
               <a:defRPr/>
             </a:pPr>
             <a:r>
-              <a:rPr lang="fr-FR" i="1" dirty="0"/>
+              <a:rPr lang="fr-FR" i="1"/>
               <a:t>TomCat9  : </a:t>
             </a:r>
             <a:r>
-              <a:rPr lang="fr-FR" i="0" dirty="0"/>
+              <a:rPr lang="fr-FR" i="0"/>
               <a:t>Open source. C’est un serveur HTPP,</a:t>
             </a:r>
-            <a:endParaRPr lang="fr-FR" i="1" dirty="0"/>
+            <a:endParaRPr lang="fr-FR" i="1"/>
           </a:p>
           <a:p>
             <a:pPr marL="0" marR="0" lvl="0" indent="0" algn="l" defTabSz="914400" rtl="0" eaLnBrk="1" fontAlgn="auto" latinLnBrk="0" hangingPunct="1">
@@ -4501,38 +4819,38 @@
               <a:defRPr/>
             </a:pPr>
             <a:r>
-              <a:rPr lang="fr-FR" i="1" dirty="0" err="1"/>
+              <a:rPr lang="fr-FR" i="1" err="1"/>
               <a:t>HyperV</a:t>
             </a:r>
             <a:r>
-              <a:rPr lang="fr-FR" i="1" dirty="0"/>
+              <a:rPr lang="fr-FR" i="1"/>
               <a:t> : </a:t>
             </a:r>
             <a:r>
-              <a:rPr lang="fr-FR" i="0" dirty="0"/>
+              <a:rPr lang="fr-FR" i="0"/>
               <a:t>Machine virtuelle qui fonctionne sous un environnement linux</a:t>
             </a:r>
-            <a:endParaRPr lang="fr-FR" i="1" dirty="0"/>
-          </a:p>
-          <a:p>
-            <a:r>
-              <a:rPr lang="fr-FR" i="1" dirty="0"/>
+            <a:endParaRPr lang="fr-FR" i="1"/>
+          </a:p>
+          <a:p>
+            <a:r>
+              <a:rPr lang="fr-FR" i="1"/>
               <a:t>MRemoteNG : </a:t>
             </a:r>
             <a:r>
-              <a:rPr lang="fr-FR" i="0" dirty="0"/>
+              <a:rPr lang="fr-FR" i="0"/>
               <a:t>utilise </a:t>
             </a:r>
             <a:r>
-              <a:rPr lang="fr-FR" i="0" dirty="0" err="1"/>
+              <a:rPr lang="fr-FR" i="0" err="1"/>
               <a:t>putty</a:t>
             </a:r>
             <a:r>
-              <a:rPr lang="fr-FR" i="0" dirty="0"/>
+              <a:rPr lang="fr-FR" i="0"/>
               <a:t> (</a:t>
             </a:r>
             <a:r>
-              <a:rPr lang="fr-FR" b="0" i="0" dirty="0">
+              <a:rPr lang="fr-FR" b="0" i="0">
                 <a:solidFill>
                   <a:srgbClr val="040C28"/>
                 </a:solidFill>
@@ -4542,7 +4860,7 @@
               <a:t>est un émulateur de terminal pour Windows permettant la connexion à une machine distante par protocole </a:t>
             </a:r>
             <a:r>
-              <a:rPr lang="fr-FR" b="0" i="0" dirty="0" err="1">
+              <a:rPr lang="fr-FR" b="0" i="0" err="1">
                 <a:solidFill>
                   <a:srgbClr val="040C28"/>
                 </a:solidFill>
@@ -4552,7 +4870,7 @@
               <a:t>ss</a:t>
             </a:r>
             <a:r>
-              <a:rPr lang="fr-FR" b="0" i="0" dirty="0">
+              <a:rPr lang="fr-FR" b="0" i="0">
                 <a:solidFill>
                   <a:srgbClr val="040C28"/>
                 </a:solidFill>
@@ -4561,15 +4879,15 @@
               </a:rPr>
               <a:t>). On s’en sert pour compiler et débugger</a:t>
             </a:r>
-            <a:endParaRPr lang="fr-FR" i="0" dirty="0"/>
-          </a:p>
-          <a:p>
-            <a:r>
-              <a:rPr lang="fr-FR" i="1" dirty="0"/>
+            <a:endParaRPr lang="fr-FR" i="0"/>
+          </a:p>
+          <a:p>
+            <a:r>
+              <a:rPr lang="fr-FR" i="1"/>
               <a:t>PostgreSQL : </a:t>
             </a:r>
             <a:r>
-              <a:rPr lang="fr-FR" b="0" i="0" dirty="0">
+              <a:rPr lang="fr-FR" b="0" i="0">
                 <a:solidFill>
                   <a:srgbClr val="040C28"/>
                 </a:solidFill>
@@ -4579,7 +4897,7 @@
               <a:t>est</a:t>
             </a:r>
             <a:r>
-              <a:rPr lang="fr-FR" b="0" i="0" dirty="0">
+              <a:rPr lang="fr-FR" b="0" i="0">
                 <a:solidFill>
                   <a:srgbClr val="4D5156"/>
                 </a:solidFill>
@@ -4588,78 +4906,78 @@
               </a:rPr>
               <a:t> un système de gestion de base de données relationnelle orienté objet puissant et open source</a:t>
             </a:r>
-            <a:endParaRPr lang="fr-FR" i="1" dirty="0"/>
-          </a:p>
-          <a:p>
-            <a:r>
-              <a:rPr lang="fr-FR" i="1" dirty="0" err="1"/>
+            <a:endParaRPr lang="fr-FR" i="1"/>
+          </a:p>
+          <a:p>
+            <a:r>
+              <a:rPr lang="fr-FR" i="1" err="1"/>
               <a:t>Gitlab</a:t>
             </a:r>
             <a:r>
-              <a:rPr lang="fr-FR" i="1" dirty="0"/>
+              <a:rPr lang="fr-FR" i="1"/>
               <a:t> : </a:t>
             </a:r>
             <a:r>
-              <a:rPr lang="fr-FR" i="0" dirty="0" err="1"/>
+              <a:rPr lang="fr-FR" i="0" err="1"/>
               <a:t>versionning</a:t>
             </a:r>
             <a:r>
-              <a:rPr lang="fr-FR" i="0" dirty="0"/>
+              <a:rPr lang="fr-FR" i="0"/>
               <a:t> et permet de piloter les </a:t>
             </a:r>
             <a:r>
-              <a:rPr lang="fr-FR" i="0" dirty="0" err="1"/>
+              <a:rPr lang="fr-FR" i="0" err="1"/>
               <a:t>dépots</a:t>
             </a:r>
             <a:r>
-              <a:rPr lang="fr-FR" i="1" dirty="0"/>
+              <a:rPr lang="fr-FR" i="1"/>
               <a:t>. </a:t>
             </a:r>
             <a:r>
-              <a:rPr lang="fr-FR" i="0" dirty="0"/>
+              <a:rPr lang="fr-FR" i="0"/>
               <a:t>Couplé avec </a:t>
             </a:r>
             <a:r>
-              <a:rPr lang="fr-FR" i="0" dirty="0" err="1"/>
+              <a:rPr lang="fr-FR" i="0" err="1"/>
               <a:t>Turtoise</a:t>
             </a:r>
             <a:r>
-              <a:rPr lang="fr-FR" i="0" dirty="0"/>
+              <a:rPr lang="fr-FR" i="0"/>
               <a:t> GIT</a:t>
             </a:r>
           </a:p>
           <a:p>
             <a:r>
-              <a:rPr lang="fr-FR" i="1" dirty="0"/>
+              <a:rPr lang="fr-FR" i="1"/>
               <a:t>Eclipse : IDE</a:t>
             </a:r>
           </a:p>
           <a:p>
-            <a:endParaRPr lang="fr-FR" dirty="0"/>
-          </a:p>
-          <a:p>
-            <a:r>
-              <a:rPr lang="fr-FR" dirty="0"/>
+            <a:endParaRPr lang="fr-FR"/>
+          </a:p>
+          <a:p>
+            <a:r>
+              <a:rPr lang="fr-FR"/>
               <a:t>Framework JSF:  basé sur des composants comparable à </a:t>
             </a:r>
             <a:r>
-              <a:rPr lang="fr-FR" b="1" dirty="0"/>
+              <a:rPr lang="fr-FR" b="1"/>
               <a:t>swing</a:t>
             </a:r>
             <a:r>
-              <a:rPr lang="fr-FR" dirty="0"/>
+              <a:rPr lang="fr-FR"/>
               <a:t> et </a:t>
             </a:r>
             <a:r>
-              <a:rPr lang="fr-FR" b="1" dirty="0" err="1"/>
+              <a:rPr lang="fr-FR" b="1" err="1"/>
               <a:t>swt</a:t>
             </a:r>
             <a:r>
-              <a:rPr lang="fr-FR" dirty="0"/>
+              <a:rPr lang="fr-FR"/>
               <a:t>. Requière bibliothèques servlet (S</a:t>
             </a:r>
             <a:r>
-              <a:rPr lang="fr-FR" b="1" i="0" dirty="0">
+              <a:rPr lang="fr-FR" b="1" i="0">
                 <a:solidFill>
                   <a:srgbClr val="202122"/>
                 </a:solidFill>
@@ -4669,7 +4987,7 @@
               <a:t>ervlet</a:t>
             </a:r>
             <a:r>
-              <a:rPr lang="fr-FR" b="0" i="0" dirty="0">
+              <a:rPr lang="fr-FR" b="0" i="0">
                 <a:solidFill>
                   <a:srgbClr val="202122"/>
                 </a:solidFill>
@@ -4679,7 +4997,7 @@
               <a:t> est une </a:t>
             </a:r>
             <a:r>
-              <a:rPr lang="fr-FR" b="0" i="0" u="none" strike="noStrike" dirty="0">
+              <a:rPr lang="fr-FR" b="0" i="0" u="none" strike="noStrike">
                 <a:solidFill>
                   <a:srgbClr val="3366CC"/>
                 </a:solidFill>
@@ -4690,7 +5008,7 @@
               <a:t>classe</a:t>
             </a:r>
             <a:r>
-              <a:rPr lang="fr-FR" b="0" i="0" dirty="0">
+              <a:rPr lang="fr-FR" b="0" i="0">
                 <a:solidFill>
                   <a:srgbClr val="202122"/>
                 </a:solidFill>
@@ -4700,7 +5018,7 @@
               <a:t> </a:t>
             </a:r>
             <a:r>
-              <a:rPr lang="fr-FR" b="0" i="0" u="none" strike="noStrike" dirty="0">
+              <a:rPr lang="fr-FR" b="0" i="0" u="none" strike="noStrike">
                 <a:solidFill>
                   <a:srgbClr val="3366CC"/>
                 </a:solidFill>
@@ -4711,7 +5029,7 @@
               <a:t>Java</a:t>
             </a:r>
             <a:r>
-              <a:rPr lang="fr-FR" b="0" i="0" dirty="0">
+              <a:rPr lang="fr-FR" b="0" i="0">
                 <a:solidFill>
                   <a:srgbClr val="202122"/>
                 </a:solidFill>
@@ -4721,7 +5039,7 @@
               <a:t> qui permet de créer dynamiquement des données au sein d'un </a:t>
             </a:r>
             <a:r>
-              <a:rPr lang="fr-FR" b="0" i="0" u="none" strike="noStrike" dirty="0">
+              <a:rPr lang="fr-FR" b="0" i="0" u="none" strike="noStrike">
                 <a:solidFill>
                   <a:srgbClr val="3366CC"/>
                 </a:solidFill>
@@ -4732,7 +5050,7 @@
               <a:t>serveur HTTP</a:t>
             </a:r>
             <a:r>
-              <a:rPr lang="fr-FR" b="0" i="0" dirty="0">
+              <a:rPr lang="fr-FR" b="0" i="0">
                 <a:solidFill>
                   <a:srgbClr val="202122"/>
                 </a:solidFill>
@@ -4761,7 +5079,7 @@
               <a:defRPr/>
             </a:pPr>
             <a:r>
-              <a:rPr lang="fr-FR" b="0" i="0" dirty="0">
+              <a:rPr lang="fr-FR" b="0" i="0">
                 <a:solidFill>
                   <a:srgbClr val="202122"/>
                 </a:solidFill>
@@ -4771,11 +5089,11 @@
               <a:t>JPA (</a:t>
             </a:r>
             <a:r>
-              <a:rPr lang="fr-FR" b="1" dirty="0"/>
+              <a:rPr lang="fr-FR" b="1"/>
               <a:t>Java Persistence API</a:t>
             </a:r>
             <a:r>
-              <a:rPr lang="fr-FR" b="0" i="0" dirty="0">
+              <a:rPr lang="fr-FR" b="0" i="0">
                 <a:solidFill>
                   <a:srgbClr val="202122"/>
                 </a:solidFill>
@@ -4787,7 +5105,7 @@
           </a:p>
           <a:p>
             <a:r>
-              <a:rPr lang="fr-FR" b="0" i="0" dirty="0">
+              <a:rPr lang="fr-FR" b="0" i="0">
                 <a:solidFill>
                   <a:srgbClr val="202122"/>
                 </a:solidFill>
@@ -4797,7 +5115,7 @@
               <a:t>Outil </a:t>
             </a:r>
             <a:r>
-              <a:rPr lang="fr-FR" b="0" i="0" dirty="0" err="1">
+              <a:rPr lang="fr-FR" b="0" i="0" err="1">
                 <a:solidFill>
                   <a:srgbClr val="202122"/>
                 </a:solidFill>
@@ -4807,7 +5125,7 @@
               <a:t>maven</a:t>
             </a:r>
             <a:r>
-              <a:rPr lang="fr-FR" b="0" i="0" dirty="0">
+              <a:rPr lang="fr-FR" b="0" i="0">
                 <a:solidFill>
                   <a:srgbClr val="202122"/>
                 </a:solidFill>
@@ -4817,7 +5135,7 @@
               <a:t> : outil </a:t>
             </a:r>
             <a:r>
-              <a:rPr lang="fr-FR" b="0" i="0" dirty="0" err="1">
+              <a:rPr lang="fr-FR" b="0" i="0" err="1">
                 <a:solidFill>
                   <a:srgbClr val="202122"/>
                 </a:solidFill>
@@ -4827,7 +5145,7 @@
               <a:t>constructuib</a:t>
             </a:r>
             <a:r>
-              <a:rPr lang="fr-FR" b="0" i="0" dirty="0">
+              <a:rPr lang="fr-FR" b="0" i="0">
                 <a:solidFill>
                   <a:srgbClr val="202122"/>
                 </a:solidFill>
@@ -4837,7 +5155,7 @@
               <a:t> de projet (</a:t>
             </a:r>
             <a:r>
-              <a:rPr lang="fr-FR" b="0" i="0" dirty="0" err="1">
+              <a:rPr lang="fr-FR" b="0" i="0" err="1">
                 <a:solidFill>
                   <a:srgbClr val="202122"/>
                 </a:solidFill>
@@ -4847,7 +5165,7 @@
               <a:t>build</a:t>
             </a:r>
             <a:r>
-              <a:rPr lang="fr-FR" b="0" i="0" dirty="0">
+              <a:rPr lang="fr-FR" b="0" i="0">
                 <a:solidFill>
                   <a:srgbClr val="202122"/>
                 </a:solidFill>
@@ -4856,36 +5174,36 @@
               </a:rPr>
               <a:t>) open source -&gt; facilite et automatise certaine tâche de la gestion d’un projet java (ex: déploiement, tests unitaires, compilation, génération de documents…)</a:t>
             </a:r>
-            <a:endParaRPr lang="fr-FR" dirty="0"/>
-          </a:p>
-          <a:p>
-            <a:r>
-              <a:rPr lang="fr-FR" dirty="0"/>
+            <a:endParaRPr lang="fr-FR"/>
+          </a:p>
+          <a:p>
+            <a:r>
+              <a:rPr lang="fr-FR"/>
               <a:t>Composant </a:t>
             </a:r>
             <a:r>
-              <a:rPr lang="fr-FR" dirty="0" err="1"/>
+              <a:rPr lang="fr-FR" err="1"/>
               <a:t>primefaces</a:t>
             </a:r>
-            <a:endParaRPr lang="fr-FR" dirty="0"/>
-          </a:p>
-          <a:p>
-            <a:r>
-              <a:rPr lang="fr-FR" dirty="0"/>
+            <a:endParaRPr lang="fr-FR"/>
+          </a:p>
+          <a:p>
+            <a:r>
+              <a:rPr lang="fr-FR"/>
               <a:t>Composant Kappa : composant </a:t>
             </a:r>
             <a:r>
-              <a:rPr lang="fr-FR" dirty="0" err="1"/>
+              <a:rPr lang="fr-FR" err="1"/>
               <a:t>primefaces</a:t>
             </a:r>
             <a:r>
-              <a:rPr lang="fr-FR" dirty="0"/>
+              <a:rPr lang="fr-FR"/>
               <a:t> qui sont « boosté »</a:t>
             </a:r>
           </a:p>
           <a:p>
             <a:pPr rtl="0"/>
-            <a:endParaRPr lang="fr-FR" dirty="0"/>
+            <a:endParaRPr lang="fr-FR"/>
           </a:p>
         </p:txBody>
       </p:sp>
@@ -4997,7 +5315,36 @@
           </a:lstStyle>
           <a:p>
             <a:pPr rtl="0"/>
+            <a:r>
+              <a:rPr lang="fr-FR" dirty="0"/>
+              <a:t>introduction</a:t>
+            </a:r>
+          </a:p>
+          <a:p>
+            <a:pPr rtl="0"/>
             <a:endParaRPr lang="fr-FR" dirty="0"/>
+          </a:p>
+          <a:p>
+            <a:pPr rtl="0"/>
+            <a:r>
+              <a:rPr lang="fr-FR" dirty="0"/>
+              <a:t>État de l’art</a:t>
+            </a:r>
+          </a:p>
+          <a:p>
+            <a:pPr rtl="0"/>
+            <a:endParaRPr lang="fr-FR" dirty="0"/>
+          </a:p>
+          <a:p>
+            <a:pPr rtl="0"/>
+            <a:endParaRPr lang="fr-FR" dirty="0"/>
+          </a:p>
+          <a:p>
+            <a:pPr rtl="0"/>
+            <a:r>
+              <a:rPr lang="fr-FR" dirty="0"/>
+              <a:t>Solution j’apporte + étude de cas + faisabilité</a:t>
+            </a:r>
           </a:p>
         </p:txBody>
       </p:sp>
@@ -5031,7 +5378,7 @@
               <a:rPr lang="fr-FR" smtClean="0"/>
               <a:t>6</a:t>
             </a:fld>
-            <a:endParaRPr lang="fr-FR"/>
+            <a:endParaRPr lang="fr-FR" dirty="0"/>
           </a:p>
         </p:txBody>
       </p:sp>
@@ -5096,6 +5443,23 @@
             </a:defPPr>
           </a:lstStyle>
           <a:p>
+            <a:r>
+              <a:rPr lang="fr-FR" dirty="0"/>
+              <a:t>Sécurité routière sur le site gouvernemental</a:t>
+            </a:r>
+          </a:p>
+          <a:p>
+            <a:r>
+              <a:rPr lang="fr-FR" dirty="0"/>
+              <a:t>2,3 à 2,5 millions de motards =&gt; 2% du </a:t>
+            </a:r>
+            <a:r>
+              <a:rPr lang="fr-FR" dirty="0" err="1"/>
+              <a:t>traffic</a:t>
+            </a:r>
+            <a:endParaRPr lang="fr-FR" dirty="0"/>
+          </a:p>
+          <a:p>
             <a:pPr rtl="0"/>
             <a:endParaRPr lang="fr-FR" dirty="0"/>
           </a:p>
@@ -5125,7 +5489,7 @@
               <a:rPr lang="fr-FR" smtClean="0"/>
               <a:t>7</a:t>
             </a:fld>
-            <a:endParaRPr lang="fr-FR"/>
+            <a:endParaRPr lang="fr-FR" dirty="0"/>
           </a:p>
         </p:txBody>
       </p:sp>
@@ -5150,7 +5514,7 @@
         <p:cNvPr id="1" name="">
           <a:extLst>
             <a:ext uri="{FF2B5EF4-FFF2-40B4-BE49-F238E27FC236}">
-              <a16:creationId xmlns:a16="http://schemas.microsoft.com/office/drawing/2014/main" id="{58F74E77-8F7F-C091-A6CD-F95913330BB6}"/>
+              <a16:creationId xmlns:a16="http://schemas.microsoft.com/office/drawing/2014/main" id="{46542FA6-6D78-D3D9-7E3F-9D9983059101}"/>
             </a:ext>
           </a:extLst>
         </p:cNvPr>
@@ -5170,7 +5534,7 @@
           <p:cNvPr id="2" name="Espace réservé de l’image des diapositives 1">
             <a:extLst>
               <a:ext uri="{FF2B5EF4-FFF2-40B4-BE49-F238E27FC236}">
-                <a16:creationId xmlns:a16="http://schemas.microsoft.com/office/drawing/2014/main" id="{C9FF8D03-BCD3-2516-5A17-7890FD56F6BE}"/>
+                <a16:creationId xmlns:a16="http://schemas.microsoft.com/office/drawing/2014/main" id="{6BD3DCBA-CD89-6822-FDC9-B5957D71DE26}"/>
               </a:ext>
             </a:extLst>
           </p:cNvPr>
@@ -5188,7 +5552,7 @@
           <p:cNvPr id="3" name="Espace réservé des commentaires 2">
             <a:extLst>
               <a:ext uri="{FF2B5EF4-FFF2-40B4-BE49-F238E27FC236}">
-                <a16:creationId xmlns:a16="http://schemas.microsoft.com/office/drawing/2014/main" id="{7143AAD0-5D1A-5384-531C-8A99D3C15535}"/>
+                <a16:creationId xmlns:a16="http://schemas.microsoft.com/office/drawing/2014/main" id="{B3E887C9-277E-6E17-8265-63A25BFE41BE}"/>
               </a:ext>
             </a:extLst>
           </p:cNvPr>
@@ -5208,6 +5572,23 @@
             </a:defPPr>
           </a:lstStyle>
           <a:p>
+            <a:r>
+              <a:rPr lang="fr-FR" dirty="0"/>
+              <a:t>Sécurité routière sur le site gouvernemental</a:t>
+            </a:r>
+          </a:p>
+          <a:p>
+            <a:r>
+              <a:rPr lang="fr-FR" dirty="0"/>
+              <a:t>2,3 à 2,5 millions de motards =&gt; 2% du </a:t>
+            </a:r>
+            <a:r>
+              <a:rPr lang="fr-FR" dirty="0" err="1"/>
+              <a:t>traffic</a:t>
+            </a:r>
+            <a:endParaRPr lang="fr-FR" dirty="0"/>
+          </a:p>
+          <a:p>
             <a:pPr rtl="0"/>
             <a:endParaRPr lang="fr-FR" dirty="0"/>
           </a:p>
@@ -5218,7 +5599,7 @@
           <p:cNvPr id="4" name="Espace réservé du numéro de diapositive 3">
             <a:extLst>
               <a:ext uri="{FF2B5EF4-FFF2-40B4-BE49-F238E27FC236}">
-                <a16:creationId xmlns:a16="http://schemas.microsoft.com/office/drawing/2014/main" id="{52E54F1F-92BA-AFB1-9D22-E7208D0FEDEF}"/>
+                <a16:creationId xmlns:a16="http://schemas.microsoft.com/office/drawing/2014/main" id="{37D04EEE-CE28-3F2B-1801-53FEA556D487}"/>
               </a:ext>
             </a:extLst>
           </p:cNvPr>
@@ -5243,14 +5624,14 @@
               <a:rPr lang="fr-FR" smtClean="0"/>
               <a:t>8</a:t>
             </a:fld>
-            <a:endParaRPr lang="fr-FR"/>
+            <a:endParaRPr lang="fr-FR" dirty="0"/>
           </a:p>
         </p:txBody>
       </p:sp>
     </p:spTree>
     <p:extLst>
       <p:ext uri="{BB962C8B-B14F-4D97-AF65-F5344CB8AC3E}">
-        <p14:creationId xmlns:p14="http://schemas.microsoft.com/office/powerpoint/2010/main" val="4126273940"/>
+        <p14:creationId xmlns:p14="http://schemas.microsoft.com/office/powerpoint/2010/main" val="2726929156"/>
       </p:ext>
     </p:extLst>
   </p:cSld>
@@ -5265,7 +5646,13 @@
   <p:cSld>
     <p:spTree>
       <p:nvGrpSpPr>
-        <p:cNvPr id="1" name=""/>
+        <p:cNvPr id="1" name="">
+          <a:extLst>
+            <a:ext uri="{FF2B5EF4-FFF2-40B4-BE49-F238E27FC236}">
+              <a16:creationId xmlns:a16="http://schemas.microsoft.com/office/drawing/2014/main" id="{9B5AD30D-D2CF-51F0-BA85-308687B58BF3}"/>
+            </a:ext>
+          </a:extLst>
+        </p:cNvPr>
         <p:cNvGrpSpPr/>
         <p:nvPr/>
       </p:nvGrpSpPr>
@@ -5279,7 +5666,13 @@
       </p:grpSpPr>
       <p:sp>
         <p:nvSpPr>
-          <p:cNvPr id="2" name="Espace réservé de l’image des diapositives 1"/>
+          <p:cNvPr id="2" name="Espace réservé de l’image des diapositives 1">
+            <a:extLst>
+              <a:ext uri="{FF2B5EF4-FFF2-40B4-BE49-F238E27FC236}">
+                <a16:creationId xmlns:a16="http://schemas.microsoft.com/office/drawing/2014/main" id="{0BCCFBD3-37FD-0D82-B935-8B315F42E998}"/>
+              </a:ext>
+            </a:extLst>
+          </p:cNvPr>
           <p:cNvSpPr>
             <a:spLocks noGrp="1" noRot="1" noChangeAspect="1"/>
           </p:cNvSpPr>
@@ -5291,7 +5684,13 @@
       </p:sp>
       <p:sp>
         <p:nvSpPr>
-          <p:cNvPr id="3" name="Espace réservé des commentaires 2"/>
+          <p:cNvPr id="3" name="Espace réservé des commentaires 2">
+            <a:extLst>
+              <a:ext uri="{FF2B5EF4-FFF2-40B4-BE49-F238E27FC236}">
+                <a16:creationId xmlns:a16="http://schemas.microsoft.com/office/drawing/2014/main" id="{36BB0CCC-695D-D3F3-C7B1-EC1D44EF18B2}"/>
+              </a:ext>
+            </a:extLst>
+          </p:cNvPr>
           <p:cNvSpPr>
             <a:spLocks noGrp="1"/>
           </p:cNvSpPr>
@@ -5315,7 +5714,13 @@
       </p:sp>
       <p:sp>
         <p:nvSpPr>
-          <p:cNvPr id="4" name="Espace réservé du numéro de diapositive 3"/>
+          <p:cNvPr id="4" name="Espace réservé du numéro de diapositive 3">
+            <a:extLst>
+              <a:ext uri="{FF2B5EF4-FFF2-40B4-BE49-F238E27FC236}">
+                <a16:creationId xmlns:a16="http://schemas.microsoft.com/office/drawing/2014/main" id="{A1D35EBB-5A0C-295B-EACF-053498233502}"/>
+              </a:ext>
+            </a:extLst>
+          </p:cNvPr>
           <p:cNvSpPr>
             <a:spLocks noGrp="1"/>
           </p:cNvSpPr>
@@ -5337,14 +5742,14 @@
               <a:rPr lang="fr-FR" smtClean="0"/>
               <a:t>9</a:t>
             </a:fld>
-            <a:endParaRPr lang="fr-FR"/>
+            <a:endParaRPr lang="fr-FR" dirty="0"/>
           </a:p>
         </p:txBody>
       </p:sp>
     </p:spTree>
     <p:extLst>
       <p:ext uri="{BB962C8B-B14F-4D97-AF65-F5344CB8AC3E}">
-        <p14:creationId xmlns:p14="http://schemas.microsoft.com/office/powerpoint/2010/main" val="573645474"/>
+        <p14:creationId xmlns:p14="http://schemas.microsoft.com/office/powerpoint/2010/main" val="2215749422"/>
       </p:ext>
     </p:extLst>
   </p:cSld>
@@ -5800,35 +6205,35 @@
           <a:p>
             <a:pPr lvl="0" rtl="0"/>
             <a:r>
-              <a:rPr lang="fr-FR"/>
+              <a:rPr lang="fr-FR" dirty="0"/>
               <a:t>Cliquer pour ajouter du texte</a:t>
             </a:r>
           </a:p>
           <a:p>
             <a:pPr lvl="1" rtl="0"/>
             <a:r>
-              <a:rPr lang="fr-FR"/>
+              <a:rPr lang="fr-FR" dirty="0"/>
               <a:t>Deuxième niveau</a:t>
             </a:r>
           </a:p>
           <a:p>
             <a:pPr lvl="2" rtl="0"/>
             <a:r>
-              <a:rPr lang="fr-FR"/>
+              <a:rPr lang="fr-FR" dirty="0"/>
               <a:t>Troisième niveau</a:t>
             </a:r>
           </a:p>
           <a:p>
             <a:pPr lvl="3" rtl="0"/>
             <a:r>
-              <a:rPr lang="fr-FR"/>
+              <a:rPr lang="fr-FR" dirty="0"/>
               <a:t>Quatrième niveau</a:t>
             </a:r>
           </a:p>
           <a:p>
             <a:pPr lvl="4" rtl="0"/>
             <a:r>
-              <a:rPr lang="fr-FR"/>
+              <a:rPr lang="fr-FR" dirty="0"/>
               <a:t>Cinquième niveau</a:t>
             </a:r>
           </a:p>
@@ -5936,7 +6341,7 @@
           </a:lstStyle>
           <a:p>
             <a:pPr rtl="0"/>
-            <a:endParaRPr lang="fr-FR"/>
+            <a:endParaRPr lang="fr-FR" dirty="0"/>
           </a:p>
         </p:txBody>
       </p:sp>
@@ -5966,7 +6371,7 @@
           </a:lstStyle>
           <a:p>
             <a:pPr rtl="0"/>
-            <a:endParaRPr lang="fr-FR"/>
+            <a:endParaRPr lang="fr-FR" dirty="0"/>
           </a:p>
         </p:txBody>
       </p:sp>
@@ -5986,21 +6391,33 @@
             <p:ph type="sldNum" sz="quarter" idx="12"/>
           </p:nvPr>
         </p:nvSpPr>
-        <p:spPr/>
+        <p:spPr>
+          <a:xfrm>
+            <a:off x="8610599" y="6365053"/>
+            <a:ext cx="2743200" cy="365125"/>
+          </a:xfrm>
+        </p:spPr>
         <p:txBody>
           <a:bodyPr rtlCol="0"/>
           <a:lstStyle>
             <a:defPPr>
               <a:defRPr lang="fr-FR"/>
             </a:defPPr>
+            <a:lvl1pPr>
+              <a:defRPr>
+                <a:solidFill>
+                  <a:schemeClr val="bg1"/>
+                </a:solidFill>
+              </a:defRPr>
+            </a:lvl1pPr>
           </a:lstStyle>
           <a:p>
-            <a:pPr rtl="0"/>
             <a:fld id="{CBD12358-51D2-46B3-9BDE-DF29528B9454}" type="slidenum">
               <a:rPr lang="fr-FR" smtClean="0"/>
+              <a:pPr/>
               <a:t>‹N°›</a:t>
             </a:fld>
-            <a:endParaRPr lang="fr-FR"/>
+            <a:endParaRPr lang="fr-FR" dirty="0"/>
           </a:p>
         </p:txBody>
       </p:sp>
@@ -6101,10 +6518,9 @@
           <a:p>
             <a:pPr rtl="0"/>
             <a:r>
-              <a:rPr lang="fr-FR"/>
+              <a:rPr lang="fr-FR" dirty="0"/>
               <a:t>Cliquez sur l'icône pour ajouter un tableau</a:t>
             </a:r>
-            <a:endParaRPr lang="fr-FR" dirty="0"/>
           </a:p>
         </p:txBody>
       </p:sp>
@@ -6134,7 +6550,7 @@
           </a:lstStyle>
           <a:p>
             <a:pPr rtl="0"/>
-            <a:endParaRPr lang="fr-FR"/>
+            <a:endParaRPr lang="fr-FR" dirty="0"/>
           </a:p>
         </p:txBody>
       </p:sp>
@@ -6164,7 +6580,7 @@
           </a:lstStyle>
           <a:p>
             <a:pPr rtl="0"/>
-            <a:endParaRPr lang="fr-FR"/>
+            <a:endParaRPr lang="fr-FR" dirty="0"/>
           </a:p>
         </p:txBody>
       </p:sp>
@@ -6198,7 +6614,7 @@
               <a:rPr lang="fr-FR" smtClean="0"/>
               <a:t>‹N°›</a:t>
             </a:fld>
-            <a:endParaRPr lang="fr-FR"/>
+            <a:endParaRPr lang="fr-FR" dirty="0"/>
           </a:p>
         </p:txBody>
       </p:sp>
@@ -6274,10 +6690,9 @@
           <a:p>
             <a:pPr rtl="0"/>
             <a:r>
-              <a:rPr lang="fr-FR"/>
+              <a:rPr lang="fr-FR" dirty="0"/>
               <a:t>Cliquez sur l'icône pour ajouter une image</a:t>
             </a:r>
-            <a:endParaRPr lang="fr-FR" dirty="0"/>
           </a:p>
         </p:txBody>
       </p:sp>
@@ -6531,10 +6946,9 @@
           <a:p>
             <a:pPr rtl="0"/>
             <a:r>
-              <a:rPr lang="fr-FR"/>
+              <a:rPr lang="fr-FR" dirty="0"/>
               <a:t>Cliquez sur l'icône pour ajouter une image</a:t>
             </a:r>
-            <a:endParaRPr lang="fr-FR" dirty="0"/>
           </a:p>
         </p:txBody>
       </p:sp>
@@ -6857,7 +7271,7 @@
           <a:p>
             <a:pPr rtl="0"/>
             <a:r>
-              <a:rPr lang="fr-FR"/>
+              <a:rPr lang="fr-FR" dirty="0"/>
               <a:t>Cliquez sur l'icône pour ajouter une image</a:t>
             </a:r>
           </a:p>
@@ -7064,10 +7478,9 @@
           <a:p>
             <a:pPr rtl="0"/>
             <a:r>
-              <a:rPr lang="fr-FR"/>
+              <a:rPr lang="fr-FR" dirty="0"/>
               <a:t>Cliquez sur l'icône pour ajouter une image</a:t>
             </a:r>
-            <a:endParaRPr lang="fr-FR" dirty="0"/>
           </a:p>
         </p:txBody>
       </p:sp>
@@ -7910,7 +8323,7 @@
           </a:lstStyle>
           <a:p>
             <a:pPr rtl="0"/>
-            <a:endParaRPr lang="fr-FR"/>
+            <a:endParaRPr lang="fr-FR" dirty="0"/>
           </a:p>
         </p:txBody>
       </p:sp>
@@ -7940,7 +8353,7 @@
           </a:lstStyle>
           <a:p>
             <a:pPr rtl="0"/>
-            <a:endParaRPr lang="fr-FR"/>
+            <a:endParaRPr lang="fr-FR" dirty="0"/>
           </a:p>
         </p:txBody>
       </p:sp>
@@ -7967,14 +8380,21 @@
             <a:defPPr>
               <a:defRPr lang="fr-FR"/>
             </a:defPPr>
+            <a:lvl1pPr>
+              <a:defRPr>
+                <a:solidFill>
+                  <a:schemeClr val="bg1"/>
+                </a:solidFill>
+              </a:defRPr>
+            </a:lvl1pPr>
           </a:lstStyle>
           <a:p>
-            <a:pPr rtl="0"/>
             <a:fld id="{CBD12358-51D2-46B3-9BDE-DF29528B9454}" type="slidenum">
               <a:rPr lang="fr-FR" smtClean="0"/>
+              <a:pPr/>
               <a:t>‹N°›</a:t>
             </a:fld>
-            <a:endParaRPr lang="fr-FR"/>
+            <a:endParaRPr lang="fr-FR" dirty="0"/>
           </a:p>
         </p:txBody>
       </p:sp>
@@ -8357,7 +8777,7 @@
           </a:lstStyle>
           <a:p>
             <a:pPr rtl="0"/>
-            <a:endParaRPr lang="fr-FR"/>
+            <a:endParaRPr lang="fr-FR" dirty="0"/>
           </a:p>
         </p:txBody>
       </p:sp>
@@ -8387,7 +8807,7 @@
           </a:lstStyle>
           <a:p>
             <a:pPr rtl="0"/>
-            <a:endParaRPr lang="fr-FR"/>
+            <a:endParaRPr lang="fr-FR" dirty="0"/>
           </a:p>
         </p:txBody>
       </p:sp>
@@ -8421,7 +8841,7 @@
               <a:rPr lang="fr-FR" smtClean="0"/>
               <a:t>‹N°›</a:t>
             </a:fld>
-            <a:endParaRPr lang="fr-FR"/>
+            <a:endParaRPr lang="fr-FR" dirty="0"/>
           </a:p>
         </p:txBody>
       </p:sp>
@@ -8675,10 +9095,9 @@
           <a:p>
             <a:pPr rtl="0"/>
             <a:r>
-              <a:rPr lang="fr-FR"/>
+              <a:rPr lang="fr-FR" dirty="0"/>
               <a:t>Cliquez sur l'icône pour ajouter une image</a:t>
             </a:r>
-            <a:endParaRPr lang="fr-FR" dirty="0"/>
           </a:p>
         </p:txBody>
       </p:sp>
@@ -9005,10 +9424,9 @@
           <a:p>
             <a:pPr rtl="0"/>
             <a:r>
-              <a:rPr lang="fr-FR"/>
+              <a:rPr lang="fr-FR" dirty="0"/>
               <a:t>Cliquez sur l'icône pour ajouter un tableau</a:t>
             </a:r>
-            <a:endParaRPr lang="fr-FR" dirty="0"/>
           </a:p>
         </p:txBody>
       </p:sp>
@@ -9038,7 +9456,7 @@
           </a:lstStyle>
           <a:p>
             <a:pPr rtl="0"/>
-            <a:endParaRPr lang="fr-FR"/>
+            <a:endParaRPr lang="fr-FR" dirty="0"/>
           </a:p>
         </p:txBody>
       </p:sp>
@@ -9068,7 +9486,7 @@
           </a:lstStyle>
           <a:p>
             <a:pPr rtl="0"/>
-            <a:endParaRPr lang="fr-FR"/>
+            <a:endParaRPr lang="fr-FR" dirty="0"/>
           </a:p>
         </p:txBody>
       </p:sp>
@@ -9102,7 +9520,7 @@
               <a:rPr lang="fr-FR" smtClean="0"/>
               <a:t>‹N°›</a:t>
             </a:fld>
-            <a:endParaRPr lang="fr-FR"/>
+            <a:endParaRPr lang="fr-FR" dirty="0"/>
           </a:p>
         </p:txBody>
       </p:sp>
@@ -10026,6 +10444,823 @@
 </p:sld>
 </file>
 
+<file path=ppt/slides/slide10.xml><?xml version="1.0" encoding="utf-8"?>
+<p:sld xmlns:a="http://schemas.openxmlformats.org/drawingml/2006/main" xmlns:r="http://schemas.openxmlformats.org/officeDocument/2006/relationships" xmlns:p="http://schemas.openxmlformats.org/presentationml/2006/main">
+  <p:cSld>
+    <p:spTree>
+      <p:nvGrpSpPr>
+        <p:cNvPr id="1" name="">
+          <a:extLst>
+            <a:ext uri="{FF2B5EF4-FFF2-40B4-BE49-F238E27FC236}">
+              <a16:creationId xmlns:a16="http://schemas.microsoft.com/office/drawing/2014/main" id="{B59DA972-BD3A-3DCD-81F1-7AF161F58810}"/>
+            </a:ext>
+          </a:extLst>
+        </p:cNvPr>
+        <p:cNvGrpSpPr/>
+        <p:nvPr/>
+      </p:nvGrpSpPr>
+      <p:grpSpPr>
+        <a:xfrm>
+          <a:off x="0" y="0"/>
+          <a:ext cx="0" cy="0"/>
+          <a:chOff x="0" y="0"/>
+          <a:chExt cx="0" cy="0"/>
+        </a:xfrm>
+      </p:grpSpPr>
+      <p:sp>
+        <p:nvSpPr>
+          <p:cNvPr id="2" name="Titre 1">
+            <a:extLst>
+              <a:ext uri="{FF2B5EF4-FFF2-40B4-BE49-F238E27FC236}">
+                <a16:creationId xmlns:a16="http://schemas.microsoft.com/office/drawing/2014/main" id="{9760FE33-53A6-E75A-9BA0-8B7B1BFDD51E}"/>
+              </a:ext>
+            </a:extLst>
+          </p:cNvPr>
+          <p:cNvSpPr>
+            <a:spLocks noGrp="1"/>
+          </p:cNvSpPr>
+          <p:nvPr>
+            <p:ph type="title"/>
+          </p:nvPr>
+        </p:nvSpPr>
+        <p:spPr>
+          <a:xfrm>
+            <a:off x="838200" y="365125"/>
+            <a:ext cx="10515600" cy="1325563"/>
+          </a:xfrm>
+          <a:noFill/>
+        </p:spPr>
+        <p:txBody>
+          <a:bodyPr rtlCol="0" anchor="ctr"/>
+          <a:lstStyle>
+            <a:defPPr>
+              <a:defRPr lang="fr-FR"/>
+            </a:defPPr>
+          </a:lstStyle>
+          <a:p>
+            <a:pPr rtl="0"/>
+            <a:r>
+              <a:rPr lang="fr-FR" dirty="0"/>
+              <a:t>MESURES D’ENGAGEMENT DU DISCOURS</a:t>
+            </a:r>
+          </a:p>
+        </p:txBody>
+      </p:sp>
+      <p:graphicFrame>
+        <p:nvGraphicFramePr>
+          <p:cNvPr id="12" name="Espace réservé au tableau 3">
+            <a:extLst>
+              <a:ext uri="{FF2B5EF4-FFF2-40B4-BE49-F238E27FC236}">
+                <a16:creationId xmlns:a16="http://schemas.microsoft.com/office/drawing/2014/main" id="{CB65501E-A327-D358-9D08-A3694677266E}"/>
+              </a:ext>
+            </a:extLst>
+          </p:cNvPr>
+          <p:cNvGraphicFramePr>
+            <a:graphicFrameLocks noGrp="1"/>
+          </p:cNvGraphicFramePr>
+          <p:nvPr>
+            <p:ph type="tbl" sz="quarter" idx="13"/>
+            <p:extLst>
+              <p:ext uri="{D42A27DB-BD31-4B8C-83A1-F6EECF244321}">
+                <p14:modId xmlns:p14="http://schemas.microsoft.com/office/powerpoint/2010/main" val="1839499670"/>
+              </p:ext>
+            </p:extLst>
+          </p:nvPr>
+        </p:nvGraphicFramePr>
+        <p:xfrm>
+          <a:off x="612775" y="2108200"/>
+          <a:ext cx="10972800" cy="3920196"/>
+        </p:xfrm>
+        <a:graphic>
+          <a:graphicData uri="http://schemas.openxmlformats.org/drawingml/2006/table">
+            <a:tbl>
+              <a:tblPr firstRow="1" bandRow="1">
+                <a:tableStyleId>{7E9639D4-E3E2-4D34-9284-5A2195B3D0D7}</a:tableStyleId>
+              </a:tblPr>
+              <a:tblGrid>
+                <a:gridCol w="2743200">
+                  <a:extLst>
+                    <a:ext uri="{9D8B030D-6E8A-4147-A177-3AD203B41FA5}">
+                      <a16:colId xmlns:a16="http://schemas.microsoft.com/office/drawing/2014/main" val="2382218087"/>
+                    </a:ext>
+                  </a:extLst>
+                </a:gridCol>
+                <a:gridCol w="2743200">
+                  <a:extLst>
+                    <a:ext uri="{9D8B030D-6E8A-4147-A177-3AD203B41FA5}">
+                      <a16:colId xmlns:a16="http://schemas.microsoft.com/office/drawing/2014/main" val="3953468724"/>
+                    </a:ext>
+                  </a:extLst>
+                </a:gridCol>
+                <a:gridCol w="2743200">
+                  <a:extLst>
+                    <a:ext uri="{9D8B030D-6E8A-4147-A177-3AD203B41FA5}">
+                      <a16:colId xmlns:a16="http://schemas.microsoft.com/office/drawing/2014/main" val="4277526474"/>
+                    </a:ext>
+                  </a:extLst>
+                </a:gridCol>
+                <a:gridCol w="2743200">
+                  <a:extLst>
+                    <a:ext uri="{9D8B030D-6E8A-4147-A177-3AD203B41FA5}">
+                      <a16:colId xmlns:a16="http://schemas.microsoft.com/office/drawing/2014/main" val="2438884888"/>
+                    </a:ext>
+                  </a:extLst>
+                </a:gridCol>
+              </a:tblGrid>
+              <a:tr h="653366">
+                <a:tc>
+                  <a:txBody>
+                    <a:bodyPr/>
+                    <a:lstStyle>
+                      <a:defPPr>
+                        <a:defRPr lang="fr-FR"/>
+                      </a:defPPr>
+                    </a:lstStyle>
+                    <a:p>
+                      <a:pPr algn="ctr" rtl="0"/>
+                      <a:r>
+                        <a:rPr lang="fr-FR" b="0" i="0" dirty="0">
+                          <a:latin typeface="+mn-lt"/>
+                          <a:cs typeface="Calibri" panose="020F0502020204030204" pitchFamily="34" charset="0"/>
+                        </a:rPr>
+                        <a:t>FACTEUR D’IMPACT</a:t>
+                      </a:r>
+                    </a:p>
+                  </a:txBody>
+                  <a:tcPr anchor="ctr"/>
+                </a:tc>
+                <a:tc>
+                  <a:txBody>
+                    <a:bodyPr/>
+                    <a:lstStyle>
+                      <a:defPPr>
+                        <a:defRPr lang="fr-FR"/>
+                      </a:defPPr>
+                    </a:lstStyle>
+                    <a:p>
+                      <a:pPr algn="ctr" rtl="0"/>
+                      <a:r>
+                        <a:rPr lang="fr-FR" b="0" i="0" dirty="0">
+                          <a:latin typeface="+mn-lt"/>
+                          <a:cs typeface="Calibri" panose="020F0502020204030204" pitchFamily="34" charset="0"/>
+                        </a:rPr>
+                        <a:t>MESURE</a:t>
+                      </a:r>
+                    </a:p>
+                  </a:txBody>
+                  <a:tcPr anchor="ctr"/>
+                </a:tc>
+                <a:tc>
+                  <a:txBody>
+                    <a:bodyPr/>
+                    <a:lstStyle>
+                      <a:defPPr>
+                        <a:defRPr lang="fr-FR"/>
+                      </a:defPPr>
+                    </a:lstStyle>
+                    <a:p>
+                      <a:pPr algn="ctr" rtl="0"/>
+                      <a:r>
+                        <a:rPr lang="fr-FR" b="0" i="0" dirty="0">
+                          <a:latin typeface="+mn-lt"/>
+                          <a:cs typeface="Calibri" panose="020F0502020204030204" pitchFamily="34" charset="0"/>
+                        </a:rPr>
+                        <a:t>OBJECTIF</a:t>
+                      </a:r>
+                    </a:p>
+                  </a:txBody>
+                  <a:tcPr anchor="ctr"/>
+                </a:tc>
+                <a:tc>
+                  <a:txBody>
+                    <a:bodyPr/>
+                    <a:lstStyle>
+                      <a:defPPr>
+                        <a:defRPr lang="fr-FR"/>
+                      </a:defPPr>
+                    </a:lstStyle>
+                    <a:p>
+                      <a:pPr algn="ctr" rtl="0"/>
+                      <a:r>
+                        <a:rPr lang="fr-FR" b="0" i="0" dirty="0">
+                          <a:latin typeface="+mn-lt"/>
+                          <a:cs typeface="Calibri" panose="020F0502020204030204" pitchFamily="34" charset="0"/>
+                        </a:rPr>
+                        <a:t>ATTEINT</a:t>
+                      </a:r>
+                    </a:p>
+                  </a:txBody>
+                  <a:tcPr anchor="ctr"/>
+                </a:tc>
+                <a:extLst>
+                  <a:ext uri="{0D108BD9-81ED-4DB2-BD59-A6C34878D82A}">
+                    <a16:rowId xmlns:a16="http://schemas.microsoft.com/office/drawing/2014/main" val="2857107962"/>
+                  </a:ext>
+                </a:extLst>
+              </a:tr>
+              <a:tr h="653366">
+                <a:tc>
+                  <a:txBody>
+                    <a:bodyPr/>
+                    <a:lstStyle>
+                      <a:defPPr>
+                        <a:defRPr lang="fr-FR"/>
+                      </a:defPPr>
+                    </a:lstStyle>
+                    <a:p>
+                      <a:pPr algn="ctr" rtl="0"/>
+                      <a:r>
+                        <a:rPr lang="fr-FR" b="0" i="0" dirty="0">
+                          <a:latin typeface="+mn-lt"/>
+                          <a:cs typeface="Calibri" panose="020F0502020204030204" pitchFamily="34" charset="0"/>
+                        </a:rPr>
+                        <a:t>Interaction de l’audience</a:t>
+                      </a:r>
+                    </a:p>
+                  </a:txBody>
+                  <a:tcPr anchor="ctr"/>
+                </a:tc>
+                <a:tc>
+                  <a:txBody>
+                    <a:bodyPr/>
+                    <a:lstStyle>
+                      <a:defPPr>
+                        <a:defRPr lang="fr-FR"/>
+                      </a:defPPr>
+                    </a:lstStyle>
+                    <a:p>
+                      <a:pPr algn="ctr" rtl="0"/>
+                      <a:r>
+                        <a:rPr lang="fr-FR" b="0" i="0" dirty="0">
+                          <a:latin typeface="+mn-lt"/>
+                          <a:cs typeface="Calibri" panose="020F0502020204030204" pitchFamily="34" charset="0"/>
+                        </a:rPr>
+                        <a:t>Pourcentage (%)</a:t>
+                      </a:r>
+                    </a:p>
+                  </a:txBody>
+                  <a:tcPr anchor="ctr"/>
+                </a:tc>
+                <a:tc>
+                  <a:txBody>
+                    <a:bodyPr/>
+                    <a:lstStyle>
+                      <a:defPPr>
+                        <a:defRPr lang="fr-FR"/>
+                      </a:defPPr>
+                    </a:lstStyle>
+                    <a:p>
+                      <a:pPr algn="ctr" rtl="0"/>
+                      <a:r>
+                        <a:rPr lang="fr-FR" b="0" i="0" dirty="0">
+                          <a:latin typeface="+mn-lt"/>
+                          <a:cs typeface="Calibri" panose="020F0502020204030204" pitchFamily="34" charset="0"/>
+                        </a:rPr>
+                        <a:t>85</a:t>
+                      </a:r>
+                    </a:p>
+                  </a:txBody>
+                  <a:tcPr anchor="ctr"/>
+                </a:tc>
+                <a:tc>
+                  <a:txBody>
+                    <a:bodyPr/>
+                    <a:lstStyle>
+                      <a:defPPr>
+                        <a:defRPr lang="fr-FR"/>
+                      </a:defPPr>
+                    </a:lstStyle>
+                    <a:p>
+                      <a:pPr algn="ctr" rtl="0"/>
+                      <a:r>
+                        <a:rPr lang="fr-FR" b="0" i="0" dirty="0">
+                          <a:latin typeface="+mn-lt"/>
+                          <a:cs typeface="Calibri" panose="020F0502020204030204" pitchFamily="34" charset="0"/>
+                        </a:rPr>
+                        <a:t>88</a:t>
+                      </a:r>
+                    </a:p>
+                  </a:txBody>
+                  <a:tcPr anchor="ctr"/>
+                </a:tc>
+                <a:extLst>
+                  <a:ext uri="{0D108BD9-81ED-4DB2-BD59-A6C34878D82A}">
+                    <a16:rowId xmlns:a16="http://schemas.microsoft.com/office/drawing/2014/main" val="1671386868"/>
+                  </a:ext>
+                </a:extLst>
+              </a:tr>
+              <a:tr h="653366">
+                <a:tc>
+                  <a:txBody>
+                    <a:bodyPr/>
+                    <a:lstStyle>
+                      <a:defPPr>
+                        <a:defRPr lang="fr-FR"/>
+                      </a:defPPr>
+                    </a:lstStyle>
+                    <a:p>
+                      <a:pPr algn="ctr" rtl="0"/>
+                      <a:r>
+                        <a:rPr lang="fr-FR" b="0" i="0" dirty="0">
+                          <a:latin typeface="+mn-lt"/>
+                          <a:cs typeface="Calibri" panose="020F0502020204030204" pitchFamily="34" charset="0"/>
+                        </a:rPr>
+                        <a:t>Rétention de connaissances</a:t>
+                      </a:r>
+                    </a:p>
+                  </a:txBody>
+                  <a:tcPr anchor="ctr"/>
+                </a:tc>
+                <a:tc>
+                  <a:txBody>
+                    <a:bodyPr/>
+                    <a:lstStyle>
+                      <a:defPPr>
+                        <a:defRPr lang="fr-FR"/>
+                      </a:defPPr>
+                    </a:lstStyle>
+                    <a:p>
+                      <a:pPr algn="ctr" rtl="0"/>
+                      <a:r>
+                        <a:rPr lang="fr-FR" b="0" i="0" dirty="0">
+                          <a:latin typeface="+mn-lt"/>
+                          <a:cs typeface="Calibri" panose="020F0502020204030204" pitchFamily="34" charset="0"/>
+                        </a:rPr>
+                        <a:t>Pourcentage (%)</a:t>
+                      </a:r>
+                    </a:p>
+                  </a:txBody>
+                  <a:tcPr anchor="ctr"/>
+                </a:tc>
+                <a:tc>
+                  <a:txBody>
+                    <a:bodyPr/>
+                    <a:lstStyle>
+                      <a:defPPr>
+                        <a:defRPr lang="fr-FR"/>
+                      </a:defPPr>
+                    </a:lstStyle>
+                    <a:p>
+                      <a:pPr algn="ctr" rtl="0"/>
+                      <a:r>
+                        <a:rPr lang="fr-FR" b="0" i="0" dirty="0">
+                          <a:latin typeface="+mn-lt"/>
+                          <a:cs typeface="Calibri" panose="020F0502020204030204" pitchFamily="34" charset="0"/>
+                        </a:rPr>
+                        <a:t>75</a:t>
+                      </a:r>
+                    </a:p>
+                  </a:txBody>
+                  <a:tcPr anchor="ctr"/>
+                </a:tc>
+                <a:tc>
+                  <a:txBody>
+                    <a:bodyPr/>
+                    <a:lstStyle>
+                      <a:defPPr>
+                        <a:defRPr lang="fr-FR"/>
+                      </a:defPPr>
+                    </a:lstStyle>
+                    <a:p>
+                      <a:pPr algn="ctr" rtl="0"/>
+                      <a:r>
+                        <a:rPr lang="fr-FR" b="0" i="0" dirty="0">
+                          <a:latin typeface="+mn-lt"/>
+                          <a:cs typeface="Calibri" panose="020F0502020204030204" pitchFamily="34" charset="0"/>
+                        </a:rPr>
+                        <a:t>80</a:t>
+                      </a:r>
+                    </a:p>
+                  </a:txBody>
+                  <a:tcPr anchor="ctr"/>
+                </a:tc>
+                <a:extLst>
+                  <a:ext uri="{0D108BD9-81ED-4DB2-BD59-A6C34878D82A}">
+                    <a16:rowId xmlns:a16="http://schemas.microsoft.com/office/drawing/2014/main" val="380626418"/>
+                  </a:ext>
+                </a:extLst>
+              </a:tr>
+              <a:tr h="653366">
+                <a:tc>
+                  <a:txBody>
+                    <a:bodyPr/>
+                    <a:lstStyle>
+                      <a:defPPr>
+                        <a:defRPr lang="fr-FR"/>
+                      </a:defPPr>
+                    </a:lstStyle>
+                    <a:p>
+                      <a:pPr algn="ctr" rtl="0"/>
+                      <a:r>
+                        <a:rPr lang="fr-FR" b="0" i="0" dirty="0">
+                          <a:latin typeface="+mn-lt"/>
+                          <a:cs typeface="Calibri" panose="020F0502020204030204" pitchFamily="34" charset="0"/>
+                        </a:rPr>
+                        <a:t>Enquêtes postérieures à la présentation</a:t>
+                      </a:r>
+                    </a:p>
+                  </a:txBody>
+                  <a:tcPr anchor="ctr"/>
+                </a:tc>
+                <a:tc>
+                  <a:txBody>
+                    <a:bodyPr/>
+                    <a:lstStyle>
+                      <a:defPPr>
+                        <a:defRPr lang="fr-FR"/>
+                      </a:defPPr>
+                    </a:lstStyle>
+                    <a:p>
+                      <a:pPr algn="ctr" rtl="0"/>
+                      <a:r>
+                        <a:rPr lang="fr-FR" b="0" i="0" dirty="0">
+                          <a:latin typeface="+mn-lt"/>
+                          <a:cs typeface="Calibri" panose="020F0502020204030204" pitchFamily="34" charset="0"/>
+                        </a:rPr>
+                        <a:t>Note moyenne</a:t>
+                      </a:r>
+                    </a:p>
+                  </a:txBody>
+                  <a:tcPr anchor="ctr"/>
+                </a:tc>
+                <a:tc>
+                  <a:txBody>
+                    <a:bodyPr/>
+                    <a:lstStyle>
+                      <a:defPPr>
+                        <a:defRPr lang="fr-FR"/>
+                      </a:defPPr>
+                    </a:lstStyle>
+                    <a:p>
+                      <a:pPr algn="ctr" rtl="0"/>
+                      <a:r>
+                        <a:rPr lang="fr-FR" b="0" i="0" dirty="0">
+                          <a:latin typeface="+mn-lt"/>
+                          <a:cs typeface="Calibri" panose="020F0502020204030204" pitchFamily="34" charset="0"/>
+                        </a:rPr>
+                        <a:t>4,2</a:t>
+                      </a:r>
+                    </a:p>
+                  </a:txBody>
+                  <a:tcPr anchor="ctr"/>
+                </a:tc>
+                <a:tc>
+                  <a:txBody>
+                    <a:bodyPr/>
+                    <a:lstStyle>
+                      <a:defPPr>
+                        <a:defRPr lang="fr-FR"/>
+                      </a:defPPr>
+                    </a:lstStyle>
+                    <a:p>
+                      <a:pPr algn="ctr" rtl="0"/>
+                      <a:r>
+                        <a:rPr lang="fr-FR" b="0" i="0" dirty="0">
+                          <a:latin typeface="+mn-lt"/>
+                          <a:cs typeface="Calibri" panose="020F0502020204030204" pitchFamily="34" charset="0"/>
+                        </a:rPr>
+                        <a:t>4,5</a:t>
+                      </a:r>
+                    </a:p>
+                  </a:txBody>
+                  <a:tcPr anchor="ctr"/>
+                </a:tc>
+                <a:extLst>
+                  <a:ext uri="{0D108BD9-81ED-4DB2-BD59-A6C34878D82A}">
+                    <a16:rowId xmlns:a16="http://schemas.microsoft.com/office/drawing/2014/main" val="2132482967"/>
+                  </a:ext>
+                </a:extLst>
+              </a:tr>
+              <a:tr h="653366">
+                <a:tc>
+                  <a:txBody>
+                    <a:bodyPr/>
+                    <a:lstStyle>
+                      <a:defPPr>
+                        <a:defRPr lang="fr-FR"/>
+                      </a:defPPr>
+                    </a:lstStyle>
+                    <a:p>
+                      <a:pPr algn="ctr" rtl="0"/>
+                      <a:r>
+                        <a:rPr lang="fr-FR" b="0" i="0" dirty="0">
+                          <a:latin typeface="+mn-lt"/>
+                          <a:cs typeface="Calibri" panose="020F0502020204030204" pitchFamily="34" charset="0"/>
+                        </a:rPr>
+                        <a:t>Taux de référence</a:t>
+                      </a:r>
+                    </a:p>
+                  </a:txBody>
+                  <a:tcPr anchor="ctr"/>
+                </a:tc>
+                <a:tc>
+                  <a:txBody>
+                    <a:bodyPr/>
+                    <a:lstStyle>
+                      <a:defPPr>
+                        <a:defRPr lang="fr-FR"/>
+                      </a:defPPr>
+                    </a:lstStyle>
+                    <a:p>
+                      <a:pPr algn="ctr" rtl="0"/>
+                      <a:r>
+                        <a:rPr lang="fr-FR" b="0" i="0" dirty="0">
+                          <a:latin typeface="+mn-lt"/>
+                          <a:cs typeface="Calibri" panose="020F0502020204030204" pitchFamily="34" charset="0"/>
+                        </a:rPr>
+                        <a:t>Pourcentage (%)</a:t>
+                      </a:r>
+                    </a:p>
+                  </a:txBody>
+                  <a:tcPr anchor="ctr"/>
+                </a:tc>
+                <a:tc>
+                  <a:txBody>
+                    <a:bodyPr/>
+                    <a:lstStyle>
+                      <a:defPPr>
+                        <a:defRPr lang="fr-FR"/>
+                      </a:defPPr>
+                    </a:lstStyle>
+                    <a:p>
+                      <a:pPr algn="ctr" rtl="0"/>
+                      <a:r>
+                        <a:rPr lang="fr-FR" b="0" i="0" dirty="0">
+                          <a:latin typeface="+mn-lt"/>
+                          <a:cs typeface="Calibri" panose="020F0502020204030204" pitchFamily="34" charset="0"/>
+                        </a:rPr>
+                        <a:t>10</a:t>
+                      </a:r>
+                    </a:p>
+                  </a:txBody>
+                  <a:tcPr anchor="ctr"/>
+                </a:tc>
+                <a:tc>
+                  <a:txBody>
+                    <a:bodyPr/>
+                    <a:lstStyle>
+                      <a:defPPr>
+                        <a:defRPr lang="fr-FR"/>
+                      </a:defPPr>
+                    </a:lstStyle>
+                    <a:p>
+                      <a:pPr algn="ctr" rtl="0"/>
+                      <a:r>
+                        <a:rPr lang="fr-FR" b="0" i="0" dirty="0">
+                          <a:latin typeface="+mn-lt"/>
+                          <a:cs typeface="Calibri" panose="020F0502020204030204" pitchFamily="34" charset="0"/>
+                        </a:rPr>
+                        <a:t>12</a:t>
+                      </a:r>
+                    </a:p>
+                  </a:txBody>
+                  <a:tcPr anchor="ctr"/>
+                </a:tc>
+                <a:extLst>
+                  <a:ext uri="{0D108BD9-81ED-4DB2-BD59-A6C34878D82A}">
+                    <a16:rowId xmlns:a16="http://schemas.microsoft.com/office/drawing/2014/main" val="3936251906"/>
+                  </a:ext>
+                </a:extLst>
+              </a:tr>
+              <a:tr h="653366">
+                <a:tc>
+                  <a:txBody>
+                    <a:bodyPr/>
+                    <a:lstStyle>
+                      <a:defPPr>
+                        <a:defRPr lang="fr-FR"/>
+                      </a:defPPr>
+                    </a:lstStyle>
+                    <a:p>
+                      <a:pPr algn="ctr" rtl="0"/>
+                      <a:r>
+                        <a:rPr lang="fr-FR" b="0" i="0" dirty="0">
+                          <a:latin typeface="+mn-lt"/>
+                          <a:cs typeface="Calibri" panose="020F0502020204030204" pitchFamily="34" charset="0"/>
+                        </a:rPr>
+                        <a:t>Opportunités de collaboration</a:t>
+                      </a:r>
+                    </a:p>
+                  </a:txBody>
+                  <a:tcPr anchor="ctr"/>
+                </a:tc>
+                <a:tc>
+                  <a:txBody>
+                    <a:bodyPr/>
+                    <a:lstStyle>
+                      <a:defPPr>
+                        <a:defRPr lang="fr-FR"/>
+                      </a:defPPr>
+                    </a:lstStyle>
+                    <a:p>
+                      <a:pPr algn="ctr" rtl="0"/>
+                      <a:r>
+                        <a:rPr lang="fr-FR" b="0" i="0" dirty="0">
+                          <a:latin typeface="+mn-lt"/>
+                          <a:cs typeface="Calibri" panose="020F0502020204030204" pitchFamily="34" charset="0"/>
+                        </a:rPr>
+                        <a:t>Nombre d’opportunités</a:t>
+                      </a:r>
+                    </a:p>
+                  </a:txBody>
+                  <a:tcPr anchor="ctr"/>
+                </a:tc>
+                <a:tc>
+                  <a:txBody>
+                    <a:bodyPr/>
+                    <a:lstStyle>
+                      <a:defPPr>
+                        <a:defRPr lang="fr-FR"/>
+                      </a:defPPr>
+                    </a:lstStyle>
+                    <a:p>
+                      <a:pPr algn="ctr" rtl="0"/>
+                      <a:r>
+                        <a:rPr lang="fr-FR" b="0" i="0" dirty="0">
+                          <a:latin typeface="+mn-lt"/>
+                          <a:cs typeface="Calibri" panose="020F0502020204030204" pitchFamily="34" charset="0"/>
+                        </a:rPr>
+                        <a:t>8</a:t>
+                      </a:r>
+                    </a:p>
+                  </a:txBody>
+                  <a:tcPr anchor="ctr"/>
+                </a:tc>
+                <a:tc>
+                  <a:txBody>
+                    <a:bodyPr/>
+                    <a:lstStyle>
+                      <a:defPPr>
+                        <a:defRPr lang="fr-FR"/>
+                      </a:defPPr>
+                    </a:lstStyle>
+                    <a:p>
+                      <a:pPr algn="ctr" rtl="0"/>
+                      <a:r>
+                        <a:rPr lang="fr-FR" b="0" i="0" dirty="0">
+                          <a:latin typeface="+mn-lt"/>
+                          <a:cs typeface="Calibri" panose="020F0502020204030204" pitchFamily="34" charset="0"/>
+                        </a:rPr>
+                        <a:t>10</a:t>
+                      </a:r>
+                    </a:p>
+                  </a:txBody>
+                  <a:tcPr anchor="ctr"/>
+                </a:tc>
+                <a:extLst>
+                  <a:ext uri="{0D108BD9-81ED-4DB2-BD59-A6C34878D82A}">
+                    <a16:rowId xmlns:a16="http://schemas.microsoft.com/office/drawing/2014/main" val="568537164"/>
+                  </a:ext>
+                </a:extLst>
+              </a:tr>
+            </a:tbl>
+          </a:graphicData>
+        </a:graphic>
+      </p:graphicFrame>
+      <p:sp>
+        <p:nvSpPr>
+          <p:cNvPr id="4" name="Espace réservé du numéro de diapositive 3">
+            <a:extLst>
+              <a:ext uri="{FF2B5EF4-FFF2-40B4-BE49-F238E27FC236}">
+                <a16:creationId xmlns:a16="http://schemas.microsoft.com/office/drawing/2014/main" id="{C618B719-3AAD-8B78-72BD-1393FD16599A}"/>
+              </a:ext>
+            </a:extLst>
+          </p:cNvPr>
+          <p:cNvSpPr>
+            <a:spLocks noGrp="1"/>
+          </p:cNvSpPr>
+          <p:nvPr>
+            <p:ph type="sldNum" sz="quarter" idx="12"/>
+          </p:nvPr>
+        </p:nvSpPr>
+        <p:spPr/>
+        <p:txBody>
+          <a:bodyPr/>
+          <a:lstStyle/>
+          <a:p>
+            <a:pPr rtl="0"/>
+            <a:fld id="{CBD12358-51D2-46B3-9BDE-DF29528B9454}" type="slidenum">
+              <a:rPr lang="fr-FR" smtClean="0"/>
+              <a:t>10</a:t>
+            </a:fld>
+            <a:endParaRPr lang="fr-FR" dirty="0"/>
+          </a:p>
+        </p:txBody>
+      </p:sp>
+    </p:spTree>
+    <p:extLst>
+      <p:ext uri="{BB962C8B-B14F-4D97-AF65-F5344CB8AC3E}">
+        <p14:creationId xmlns:p14="http://schemas.microsoft.com/office/powerpoint/2010/main" val="4233691277"/>
+      </p:ext>
+    </p:extLst>
+  </p:cSld>
+  <p:clrMapOvr>
+    <a:masterClrMapping/>
+  </p:clrMapOvr>
+</p:sld>
+</file>
+
+<file path=ppt/slides/slide11.xml><?xml version="1.0" encoding="utf-8"?>
+<p:sld xmlns:a="http://schemas.openxmlformats.org/drawingml/2006/main" xmlns:r="http://schemas.openxmlformats.org/officeDocument/2006/relationships" xmlns:p="http://schemas.openxmlformats.org/presentationml/2006/main">
+  <p:cSld>
+    <p:spTree>
+      <p:nvGrpSpPr>
+        <p:cNvPr id="1" name=""/>
+        <p:cNvGrpSpPr/>
+        <p:nvPr/>
+      </p:nvGrpSpPr>
+      <p:grpSpPr>
+        <a:xfrm>
+          <a:off x="0" y="0"/>
+          <a:ext cx="0" cy="0"/>
+          <a:chOff x="0" y="0"/>
+          <a:chExt cx="0" cy="0"/>
+        </a:xfrm>
+      </p:grpSpPr>
+      <p:pic>
+        <p:nvPicPr>
+          <p:cNvPr id="5" name="Espace réservé d’image 11" descr="Gros plan de points&#10;">
+            <a:extLst>
+              <a:ext uri="{FF2B5EF4-FFF2-40B4-BE49-F238E27FC236}">
+                <a16:creationId xmlns:a16="http://schemas.microsoft.com/office/drawing/2014/main" id="{030E03B4-DAB0-F43D-4B1C-C54F75E621A1}"/>
+              </a:ext>
+            </a:extLst>
+          </p:cNvPr>
+          <p:cNvPicPr>
+            <a:picLocks noGrp="1" noChangeAspect="1"/>
+          </p:cNvPicPr>
+          <p:nvPr>
+            <p:ph type="pic" sz="quarter" idx="10"/>
+          </p:nvPr>
+        </p:nvPicPr>
+        <p:blipFill>
+          <a:blip r:embed="rId3"/>
+          <a:srcRect/>
+          <a:stretch>
+            <a:fillRect/>
+          </a:stretch>
+        </p:blipFill>
+        <p:spPr>
+          <a:xfrm>
+            <a:off x="20" y="10"/>
+            <a:ext cx="12191980" cy="6857990"/>
+          </a:xfrm>
+          <a:noFill/>
+        </p:spPr>
+      </p:pic>
+      <p:sp>
+        <p:nvSpPr>
+          <p:cNvPr id="7" name="Titre 6">
+            <a:extLst>
+              <a:ext uri="{FF2B5EF4-FFF2-40B4-BE49-F238E27FC236}">
+                <a16:creationId xmlns:a16="http://schemas.microsoft.com/office/drawing/2014/main" id="{4AB1CD4B-2C7F-1593-8E69-B7450F3DCAD6}"/>
+              </a:ext>
+            </a:extLst>
+          </p:cNvPr>
+          <p:cNvSpPr>
+            <a:spLocks noGrp="1"/>
+          </p:cNvSpPr>
+          <p:nvPr>
+            <p:ph type="ctrTitle"/>
+          </p:nvPr>
+        </p:nvSpPr>
+        <p:spPr>
+          <a:xfrm>
+            <a:off x="1524000" y="2286000"/>
+            <a:ext cx="9144000" cy="2286000"/>
+          </a:xfrm>
+        </p:spPr>
+        <p:txBody>
+          <a:bodyPr rtlCol="0" anchor="ctr">
+            <a:normAutofit/>
+          </a:bodyPr>
+          <a:lstStyle>
+            <a:defPPr>
+              <a:defRPr lang="fr-FR"/>
+            </a:defPPr>
+          </a:lstStyle>
+          <a:p>
+            <a:pPr rtl="0"/>
+            <a:r>
+              <a:rPr lang="fr-FR" dirty="0"/>
+              <a:t>MERCI pour votre attention</a:t>
+            </a:r>
+          </a:p>
+        </p:txBody>
+      </p:sp>
+    </p:spTree>
+    <p:extLst>
+      <p:ext uri="{BB962C8B-B14F-4D97-AF65-F5344CB8AC3E}">
+        <p14:creationId xmlns:p14="http://schemas.microsoft.com/office/powerpoint/2010/main" val="2184472291"/>
+      </p:ext>
+    </p:extLst>
+  </p:cSld>
+  <p:clrMapOvr>
+    <a:masterClrMapping/>
+  </p:clrMapOvr>
+</p:sld>
+</file>
+
 <file path=ppt/slides/slide2.xml><?xml version="1.0" encoding="utf-8"?>
 <p:sld xmlns:a="http://schemas.openxmlformats.org/drawingml/2006/main" xmlns:r="http://schemas.openxmlformats.org/officeDocument/2006/relationships" xmlns:p="http://schemas.openxmlformats.org/presentationml/2006/main">
   <p:cSld>
@@ -10083,7 +11318,7 @@
           <a:p>
             <a:pPr rtl="0"/>
             <a:r>
-              <a:rPr lang="fr-FR"/>
+              <a:rPr lang="fr-FR" dirty="0"/>
               <a:t>sommaire</a:t>
             </a:r>
           </a:p>
@@ -10129,7 +11364,7 @@
               </a:pPr>
               <a:t>2</a:t>
             </a:fld>
-            <a:endParaRPr lang="fr-FR"/>
+            <a:endParaRPr lang="fr-FR" dirty="0"/>
           </a:p>
         </p:txBody>
       </p:sp>
@@ -10821,7 +12056,7 @@
           <a:p>
             <a:pPr rtl="0"/>
             <a:r>
-              <a:rPr lang="fr-FR" dirty="0"/>
+              <a:rPr lang="fr-FR"/>
               <a:t>Présentation de l’entreprise: Développeur d’applications</a:t>
             </a:r>
           </a:p>
@@ -10899,7 +12134,7 @@
           </a:lstStyle>
           <a:p>
             <a:pPr algn="ctr" rtl="0"/>
-            <a:endParaRPr lang="fr-FR" dirty="0"/>
+            <a:endParaRPr lang="fr-FR"/>
           </a:p>
         </p:txBody>
       </p:sp>
@@ -10929,7 +12164,7 @@
               <a:rPr lang="fr-FR" smtClean="0"/>
               <a:t>5</a:t>
             </a:fld>
-            <a:endParaRPr lang="fr-FR" dirty="0"/>
+            <a:endParaRPr lang="fr-FR"/>
           </a:p>
         </p:txBody>
       </p:sp>
@@ -11181,7 +12416,7 @@
               <a:buNone/>
             </a:pPr>
             <a:r>
-              <a:rPr lang="fr-FR" sz="1800" dirty="0">
+              <a:rPr lang="fr-FR" sz="1800">
                 <a:latin typeface="Avenir Book" panose="02000503020000020003" pitchFamily="2" charset="0"/>
               </a:rPr>
               <a:t>Objectifs :</a:t>
@@ -11205,25 +12440,25 @@
               <a:buChar char="§"/>
             </a:pPr>
             <a:r>
-              <a:rPr lang="fr-FR" sz="1800" b="1" dirty="0">
+              <a:rPr lang="fr-FR" sz="1800" b="1">
                 <a:latin typeface="Avenir Book" panose="02000503020000020003" pitchFamily="2" charset="0"/>
               </a:rPr>
               <a:t>Développement</a:t>
             </a:r>
             <a:r>
-              <a:rPr lang="fr-FR" sz="1800" dirty="0">
+              <a:rPr lang="fr-FR" sz="1800">
                 <a:latin typeface="Avenir Book" panose="02000503020000020003" pitchFamily="2" charset="0"/>
               </a:rPr>
               <a:t> et </a:t>
             </a:r>
             <a:r>
-              <a:rPr lang="fr-FR" sz="1800" b="1" dirty="0">
+              <a:rPr lang="fr-FR" sz="1800" b="1">
                 <a:latin typeface="Avenir Book" panose="02000503020000020003" pitchFamily="2" charset="0"/>
               </a:rPr>
               <a:t>maintenance</a:t>
             </a:r>
             <a:r>
-              <a:rPr lang="fr-FR" sz="1800" dirty="0">
+              <a:rPr lang="fr-FR" sz="1800">
                 <a:latin typeface="Avenir Book" panose="02000503020000020003" pitchFamily="2" charset="0"/>
               </a:rPr>
               <a:t> de nos outils informatisés.</a:t>
@@ -11246,7 +12481,7 @@
               <a:buNone/>
             </a:pPr>
             <a:r>
-              <a:rPr lang="fr-FR" sz="1800" dirty="0">
+              <a:rPr lang="fr-FR" sz="1800">
                 <a:latin typeface="Avenir Book" panose="02000503020000020003" pitchFamily="2" charset="0"/>
               </a:rPr>
               <a:t>Les outils:</a:t>
@@ -11270,19 +12505,19 @@
               <a:buChar char="§"/>
             </a:pPr>
             <a:r>
-              <a:rPr lang="fr-FR" sz="1800" dirty="0">
+              <a:rPr lang="fr-FR" sz="1800">
                 <a:latin typeface="Avenir Book" panose="02000503020000020003" pitchFamily="2" charset="0"/>
               </a:rPr>
               <a:t>JSF et </a:t>
             </a:r>
             <a:r>
-              <a:rPr lang="fr-FR" sz="1800" dirty="0" err="1">
+              <a:rPr lang="fr-FR" sz="1800" err="1">
                 <a:latin typeface="Avenir Book" panose="02000503020000020003" pitchFamily="2" charset="0"/>
               </a:rPr>
               <a:t>primefaces</a:t>
             </a:r>
             <a:r>
-              <a:rPr lang="fr-FR" sz="1800" dirty="0">
+              <a:rPr lang="fr-FR" sz="1800">
                 <a:latin typeface="Avenir Book" panose="02000503020000020003" pitchFamily="2" charset="0"/>
               </a:rPr>
               <a:t> - JPA</a:t>
@@ -11306,7 +12541,7 @@
               <a:buChar char="§"/>
             </a:pPr>
             <a:r>
-              <a:rPr lang="fr-FR" sz="1800" dirty="0">
+              <a:rPr lang="fr-FR" sz="1800">
                 <a:latin typeface="Avenir Book" panose="02000503020000020003" pitchFamily="2" charset="0"/>
               </a:rPr>
               <a:t>Redmine</a:t>
@@ -11330,7 +12565,7 @@
               <a:buChar char="§"/>
             </a:pPr>
             <a:r>
-              <a:rPr lang="fr-FR" sz="1800" dirty="0">
+              <a:rPr lang="fr-FR" sz="1800">
                 <a:latin typeface="Avenir Book" panose="02000503020000020003" pitchFamily="2" charset="0"/>
               </a:rPr>
               <a:t>PostgreSQL</a:t>
@@ -11354,12 +12589,12 @@
               <a:buChar char="§"/>
             </a:pPr>
             <a:r>
-              <a:rPr lang="fr-FR" sz="1800" dirty="0" err="1">
+              <a:rPr lang="fr-FR" sz="1800" err="1">
                 <a:latin typeface="Avenir Book" panose="02000503020000020003" pitchFamily="2" charset="0"/>
               </a:rPr>
               <a:t>GitLab</a:t>
             </a:r>
-            <a:endParaRPr lang="fr-FR" sz="1800" dirty="0">
+            <a:endParaRPr lang="fr-FR" sz="1800">
               <a:latin typeface="Avenir Book" panose="02000503020000020003" pitchFamily="2" charset="0"/>
             </a:endParaRPr>
           </a:p>
@@ -11561,10 +12796,11 @@
             <a:off x="838200" y="365760"/>
             <a:ext cx="10515600" cy="1325563"/>
           </a:xfrm>
-          <a:noFill/>
         </p:spPr>
         <p:txBody>
-          <a:bodyPr rtlCol="0" anchor="ctr"/>
+          <a:bodyPr rtlCol="0" anchor="ctr">
+            <a:normAutofit/>
+          </a:bodyPr>
           <a:lstStyle>
             <a:defPPr>
               <a:defRPr lang="fr-FR"/>
@@ -11574,17 +12810,47 @@
             <a:pPr rtl="0"/>
             <a:r>
               <a:rPr lang="fr-FR" dirty="0"/>
-              <a:t>Derniers conseils et points à retenir</a:t>
+              <a:t>introduction</a:t>
             </a:r>
           </a:p>
         </p:txBody>
       </p:sp>
+      <p:pic>
+        <p:nvPicPr>
+          <p:cNvPr id="9" name="Espace réservé du contenu 5" descr="Une image contenant texte, diagramme, capture d’écran, Police&#10;&#10;Description générée automatiquement">
+            <a:extLst>
+              <a:ext uri="{FF2B5EF4-FFF2-40B4-BE49-F238E27FC236}">
+                <a16:creationId xmlns:a16="http://schemas.microsoft.com/office/drawing/2014/main" id="{AB74DE97-3318-0544-A793-17457293653A}"/>
+              </a:ext>
+            </a:extLst>
+          </p:cNvPr>
+          <p:cNvPicPr>
+            <a:picLocks noGrp="1" noChangeAspect="1"/>
+          </p:cNvPicPr>
+          <p:nvPr>
+            <p:ph sz="quarter" idx="15"/>
+          </p:nvPr>
+        </p:nvPicPr>
+        <p:blipFill>
+          <a:blip r:embed="rId3"/>
+          <a:stretch>
+            <a:fillRect/>
+          </a:stretch>
+        </p:blipFill>
+        <p:spPr>
+          <a:xfrm>
+            <a:off x="6609247" y="3091075"/>
+            <a:ext cx="5582753" cy="1102593"/>
+          </a:xfrm>
+          <a:noFill/>
+        </p:spPr>
+      </p:pic>
       <p:sp>
         <p:nvSpPr>
-          <p:cNvPr id="3" name="Espace réservé du contenu 2">
+          <p:cNvPr id="7" name="Espace réservé du numéro de diapositive 6">
             <a:extLst>
               <a:ext uri="{FF2B5EF4-FFF2-40B4-BE49-F238E27FC236}">
-                <a16:creationId xmlns:a16="http://schemas.microsoft.com/office/drawing/2014/main" id="{05948542-FCE1-3AE6-C6C9-17975609DF70}"/>
+                <a16:creationId xmlns:a16="http://schemas.microsoft.com/office/drawing/2014/main" id="{E5515D61-4A1E-00E9-F33B-129B675672BB}"/>
               </a:ext>
             </a:extLst>
           </p:cNvPr>
@@ -11592,153 +12858,36 @@
             <a:spLocks noGrp="1"/>
           </p:cNvSpPr>
           <p:nvPr>
-            <p:ph sz="quarter" idx="15"/>
+            <p:ph type="sldNum" sz="quarter" idx="12"/>
           </p:nvPr>
         </p:nvSpPr>
         <p:spPr>
           <a:xfrm>
-            <a:off x="838200" y="1790329"/>
-            <a:ext cx="5381264" cy="4113054"/>
+            <a:off x="8610600" y="6356350"/>
+            <a:ext cx="2743200" cy="365125"/>
           </a:xfrm>
-          <a:noFill/>
         </p:spPr>
         <p:txBody>
-          <a:bodyPr vert="horz" lIns="91440" tIns="45720" rIns="91440" bIns="45720" rtlCol="0" anchor="t">
-            <a:normAutofit fontScale="92500"/>
-          </a:bodyPr>
-          <a:lstStyle>
-            <a:defPPr>
-              <a:defRPr lang="fr-FR"/>
-            </a:defPPr>
-          </a:lstStyle>
-          <a:p>
-            <a:pPr rtl="0"/>
-            <a:r>
-              <a:rPr lang="fr-FR" dirty="0"/>
-              <a:t>Répétition cohérente</a:t>
-            </a:r>
-          </a:p>
-          <a:p>
-            <a:pPr lvl="1" rtl="0"/>
-            <a:r>
-              <a:rPr lang="fr-FR" dirty="0"/>
-              <a:t>Renforcez votre connaissance</a:t>
-            </a:r>
-          </a:p>
-          <a:p>
-            <a:pPr rtl="0"/>
-            <a:r>
-              <a:rPr lang="fr-FR" dirty="0"/>
-              <a:t>Affiner le style de discours</a:t>
-            </a:r>
-          </a:p>
-          <a:p>
-            <a:pPr lvl="1" rtl="0"/>
-            <a:r>
-              <a:rPr lang="fr-FR" dirty="0"/>
-              <a:t>Rythme, ton et accentuation</a:t>
-            </a:r>
-          </a:p>
-          <a:p>
-            <a:pPr rtl="0"/>
-            <a:r>
-              <a:rPr lang="fr-FR" dirty="0"/>
-              <a:t>Minutage et transitions</a:t>
-            </a:r>
-          </a:p>
-          <a:p>
-            <a:pPr lvl="1" rtl="0"/>
-            <a:r>
-              <a:rPr lang="fr-FR" dirty="0"/>
-              <a:t>Rechercher un discours professionnel et fluide</a:t>
-            </a:r>
-          </a:p>
-          <a:p>
-            <a:pPr rtl="0"/>
-            <a:r>
-              <a:rPr lang="fr-FR" dirty="0"/>
-              <a:t>Entraînez-vous à parler en public</a:t>
-            </a:r>
-          </a:p>
-          <a:p>
-            <a:pPr lvl="1" rtl="0"/>
-            <a:r>
-              <a:rPr lang="fr-FR" dirty="0"/>
-              <a:t>Solliciter des collègues pour écouter et donner leur avis</a:t>
-            </a:r>
-          </a:p>
-          <a:p>
-            <a:pPr lvl="1" rtl="0"/>
-            <a:endParaRPr lang="fr-FR" dirty="0"/>
-          </a:p>
-        </p:txBody>
-      </p:sp>
-      <p:sp>
-        <p:nvSpPr>
-          <p:cNvPr id="4" name="Espace réservé du contenu 3">
-            <a:extLst>
-              <a:ext uri="{FF2B5EF4-FFF2-40B4-BE49-F238E27FC236}">
-                <a16:creationId xmlns:a16="http://schemas.microsoft.com/office/drawing/2014/main" id="{3EE67564-0457-E486-97D0-8109D2C97B3F}"/>
-              </a:ext>
-            </a:extLst>
-          </p:cNvPr>
-          <p:cNvSpPr>
-            <a:spLocks noGrp="1"/>
-          </p:cNvSpPr>
-          <p:nvPr>
-            <p:ph sz="quarter" idx="16"/>
-          </p:nvPr>
-        </p:nvSpPr>
-        <p:spPr>
-          <a:xfrm>
-            <a:off x="6219464" y="1790329"/>
-            <a:ext cx="5134335" cy="4113054"/>
-          </a:xfrm>
-          <a:noFill/>
-        </p:spPr>
-        <p:txBody>
-          <a:bodyPr rtlCol="0">
+          <a:bodyPr anchor="ctr">
             <a:normAutofit/>
           </a:bodyPr>
-          <a:lstStyle>
-            <a:defPPr>
-              <a:defRPr lang="fr-FR"/>
-            </a:defPPr>
-          </a:lstStyle>
-          <a:p>
-            <a:pPr rtl="0"/>
-            <a:r>
-              <a:rPr lang="fr-FR" sz="1700" dirty="0"/>
-              <a:t>Recueillir des commentaires</a:t>
-            </a:r>
-          </a:p>
-          <a:p>
-            <a:pPr rtl="0"/>
-            <a:r>
-              <a:rPr lang="fr-FR" sz="1700" dirty="0"/>
-              <a:t>Examiner les performances</a:t>
-            </a:r>
-          </a:p>
-          <a:p>
-            <a:pPr rtl="0"/>
-            <a:r>
-              <a:rPr lang="fr-FR" sz="1700" dirty="0"/>
-              <a:t>Explorez de nouvelles techniques</a:t>
-            </a:r>
-          </a:p>
-          <a:p>
-            <a:pPr rtl="0"/>
-            <a:r>
-              <a:rPr lang="fr-FR" sz="1700" dirty="0"/>
-              <a:t>Définissez des objectifs personnels</a:t>
-            </a:r>
-          </a:p>
-          <a:p>
-            <a:pPr rtl="0"/>
-            <a:r>
-              <a:rPr lang="fr-FR" sz="1700" dirty="0"/>
-              <a:t>Itérer et adapter</a:t>
-            </a:r>
+          <a:lstStyle/>
+          <a:p>
+            <a:pPr rtl="0">
+              <a:spcAft>
+                <a:spcPts val="600"/>
+              </a:spcAft>
+            </a:pPr>
+            <a:fld id="{CBD12358-51D2-46B3-9BDE-DF29528B9454}" type="slidenum">
+              <a:rPr lang="fr-FR" smtClean="0"/>
+              <a:pPr rtl="0">
+                <a:spcAft>
+                  <a:spcPts val="600"/>
+                </a:spcAft>
+              </a:pPr>
+              <a:t>7</a:t>
+            </a:fld>
+            <a:endParaRPr lang="fr-FR"/>
           </a:p>
         </p:txBody>
       </p:sp>
@@ -11818,33 +12967,71 @@
           </a:p>
         </p:txBody>
       </p:sp>
-      <p:sp>
-        <p:nvSpPr>
-          <p:cNvPr id="7" name="Espace réservé du numéro de diapositive 6">
+      <p:pic>
+        <p:nvPicPr>
+          <p:cNvPr id="12" name="Espace réservé du contenu 4" descr="Une image contenant texte, capture d’écran, nombre, Police&#10;&#10;Description générée automatiquement">
             <a:extLst>
               <a:ext uri="{FF2B5EF4-FFF2-40B4-BE49-F238E27FC236}">
-                <a16:creationId xmlns:a16="http://schemas.microsoft.com/office/drawing/2014/main" id="{E5515D61-4A1E-00E9-F33B-129B675672BB}"/>
+                <a16:creationId xmlns:a16="http://schemas.microsoft.com/office/drawing/2014/main" id="{A50E8A80-3F17-5410-919D-CB7B0E9F1547}"/>
               </a:ext>
             </a:extLst>
           </p:cNvPr>
-          <p:cNvSpPr>
-            <a:spLocks noGrp="1"/>
-          </p:cNvSpPr>
-          <p:nvPr>
-            <p:ph type="sldNum" sz="quarter" idx="12"/>
-          </p:nvPr>
+          <p:cNvPicPr>
+            <a:picLocks noChangeAspect="1"/>
+          </p:cNvPicPr>
+          <p:nvPr/>
+        </p:nvPicPr>
+        <p:blipFill>
+          <a:blip r:embed="rId4"/>
+          <a:stretch>
+            <a:fillRect/>
+          </a:stretch>
+        </p:blipFill>
+        <p:spPr>
+          <a:xfrm>
+            <a:off x="0" y="2049131"/>
+            <a:ext cx="6609247" cy="3186483"/>
+          </a:xfrm>
+          <a:prstGeom prst="rect">
+            <a:avLst/>
+          </a:prstGeom>
+        </p:spPr>
+      </p:pic>
+      <p:sp>
+        <p:nvSpPr>
+          <p:cNvPr id="13" name="ZoneTexte 12">
+            <a:extLst>
+              <a:ext uri="{FF2B5EF4-FFF2-40B4-BE49-F238E27FC236}">
+                <a16:creationId xmlns:a16="http://schemas.microsoft.com/office/drawing/2014/main" id="{D3D68880-E43B-9076-D8AD-95532D8270A5}"/>
+              </a:ext>
+            </a:extLst>
+          </p:cNvPr>
+          <p:cNvSpPr txBox="1"/>
+          <p:nvPr/>
         </p:nvSpPr>
-        <p:spPr/>
+        <p:spPr>
+          <a:xfrm>
+            <a:off x="6732105" y="4750546"/>
+            <a:ext cx="5358910" cy="923330"/>
+          </a:xfrm>
+          <a:prstGeom prst="rect">
+            <a:avLst/>
+          </a:prstGeom>
+          <a:noFill/>
+        </p:spPr>
         <p:txBody>
-          <a:bodyPr/>
+          <a:bodyPr wrap="square" rtlCol="0">
+            <a:spAutoFit/>
+          </a:bodyPr>
           <a:lstStyle/>
           <a:p>
-            <a:pPr rtl="0"/>
-            <a:fld id="{CBD12358-51D2-46B3-9BDE-DF29528B9454}" type="slidenum">
-              <a:rPr lang="fr-FR" smtClean="0"/>
-              <a:t>7</a:t>
-            </a:fld>
-            <a:endParaRPr lang="fr-FR"/>
+            <a:pPr algn="ctr"/>
+            <a:r>
+              <a:rPr lang="fr-FR" dirty="0">
+                <a:latin typeface="+mj-lt"/>
+              </a:rPr>
+              <a:t> ONISR Données relatives aux accidents corporels enregistrés par les forces de l’ordre, en France métropolitaine (mai 2024).</a:t>
+            </a:r>
           </a:p>
         </p:txBody>
       </p:sp>
@@ -11869,7 +13056,7 @@
         <p:cNvPr id="1" name="">
           <a:extLst>
             <a:ext uri="{FF2B5EF4-FFF2-40B4-BE49-F238E27FC236}">
-              <a16:creationId xmlns:a16="http://schemas.microsoft.com/office/drawing/2014/main" id="{B59DA972-BD3A-3DCD-81F1-7AF161F58810}"/>
+              <a16:creationId xmlns:a16="http://schemas.microsoft.com/office/drawing/2014/main" id="{3ADA5E3C-1C5C-25F6-9A7B-648D6349DDE5}"/>
             </a:ext>
           </a:extLst>
         </p:cNvPr>
@@ -11889,7 +13076,7 @@
           <p:cNvPr id="2" name="Titre 1">
             <a:extLst>
               <a:ext uri="{FF2B5EF4-FFF2-40B4-BE49-F238E27FC236}">
-                <a16:creationId xmlns:a16="http://schemas.microsoft.com/office/drawing/2014/main" id="{9760FE33-53A6-E75A-9BA0-8B7B1BFDD51E}"/>
+                <a16:creationId xmlns:a16="http://schemas.microsoft.com/office/drawing/2014/main" id="{BE4468A1-3700-51B7-A057-1280B274FA3B}"/>
               </a:ext>
             </a:extLst>
           </p:cNvPr>
@@ -11902,7 +13089,427 @@
         </p:nvSpPr>
         <p:spPr>
           <a:xfrm>
-            <a:off x="838200" y="365125"/>
+            <a:off x="838200" y="365760"/>
+            <a:ext cx="10515600" cy="1325563"/>
+          </a:xfrm>
+        </p:spPr>
+        <p:txBody>
+          <a:bodyPr rtlCol="0" anchor="ctr">
+            <a:normAutofit/>
+          </a:bodyPr>
+          <a:lstStyle>
+            <a:defPPr>
+              <a:defRPr lang="fr-FR"/>
+            </a:defPPr>
+          </a:lstStyle>
+          <a:p>
+            <a:pPr rtl="0"/>
+            <a:r>
+              <a:rPr lang="fr-FR" dirty="0" err="1"/>
+              <a:t>Iot</a:t>
+            </a:r>
+            <a:r>
+              <a:rPr lang="fr-FR" dirty="0"/>
+              <a:t> : Internet des objets</a:t>
+            </a:r>
+          </a:p>
+        </p:txBody>
+      </p:sp>
+      <p:pic>
+        <p:nvPicPr>
+          <p:cNvPr id="13" name="Espace réservé du contenu 12" descr="Une image contenant clipart, dessin, Graphique, dessin humoristique&#10;&#10;Le contenu généré par l’IA peut être incorrect.">
+            <a:extLst>
+              <a:ext uri="{FF2B5EF4-FFF2-40B4-BE49-F238E27FC236}">
+                <a16:creationId xmlns:a16="http://schemas.microsoft.com/office/drawing/2014/main" id="{70A6C318-BC96-31E8-E65D-9CD8AA201F03}"/>
+              </a:ext>
+            </a:extLst>
+          </p:cNvPr>
+          <p:cNvPicPr>
+            <a:picLocks noGrp="1" noChangeAspect="1"/>
+          </p:cNvPicPr>
+          <p:nvPr>
+            <p:ph sz="quarter" idx="15"/>
+          </p:nvPr>
+        </p:nvPicPr>
+        <p:blipFill>
+          <a:blip r:embed="rId3">
+            <a:extLst>
+              <a:ext uri="{28A0092B-C50C-407E-A947-70E740481C1C}">
+                <a14:useLocalDpi xmlns:a14="http://schemas.microsoft.com/office/drawing/2010/main" val="0"/>
+              </a:ext>
+            </a:extLst>
+          </a:blip>
+          <a:srcRect t="8187" r="1" b="3540"/>
+          <a:stretch>
+            <a:fillRect/>
+          </a:stretch>
+        </p:blipFill>
+        <p:spPr>
+          <a:xfrm>
+            <a:off x="838200" y="1790329"/>
+            <a:ext cx="5134335" cy="4113054"/>
+          </a:xfrm>
+          <a:noFill/>
+        </p:spPr>
+      </p:pic>
+      <p:sp>
+        <p:nvSpPr>
+          <p:cNvPr id="28" name="Content Placeholder 3">
+            <a:extLst>
+              <a:ext uri="{FF2B5EF4-FFF2-40B4-BE49-F238E27FC236}">
+                <a16:creationId xmlns:a16="http://schemas.microsoft.com/office/drawing/2014/main" id="{4A2A59F9-F296-417A-1C2F-BBB2C8E1097C}"/>
+              </a:ext>
+            </a:extLst>
+          </p:cNvPr>
+          <p:cNvSpPr>
+            <a:spLocks noGrp="1"/>
+          </p:cNvSpPr>
+          <p:nvPr>
+            <p:ph sz="quarter" idx="16"/>
+          </p:nvPr>
+        </p:nvSpPr>
+        <p:spPr>
+          <a:xfrm>
+            <a:off x="6219464" y="1790329"/>
+            <a:ext cx="5134335" cy="4113054"/>
+          </a:xfrm>
+        </p:spPr>
+        <p:txBody>
+          <a:bodyPr/>
+          <a:lstStyle/>
+          <a:p>
+            <a:r>
+              <a:rPr lang="en-US" dirty="0">
+                <a:latin typeface="+mj-lt"/>
+              </a:rPr>
+              <a:t>Réseau </a:t>
+            </a:r>
+            <a:r>
+              <a:rPr lang="en-US" dirty="0" err="1">
+                <a:latin typeface="+mj-lt"/>
+              </a:rPr>
+              <a:t>d’objets</a:t>
+            </a:r>
+            <a:r>
+              <a:rPr lang="en-US" dirty="0">
+                <a:latin typeface="+mj-lt"/>
+              </a:rPr>
+              <a:t> physiques </a:t>
+            </a:r>
+            <a:r>
+              <a:rPr lang="en-US" dirty="0" err="1">
+                <a:latin typeface="+mj-lt"/>
+              </a:rPr>
+              <a:t>connectés</a:t>
+            </a:r>
+            <a:r>
+              <a:rPr lang="en-US" dirty="0">
+                <a:latin typeface="+mj-lt"/>
+              </a:rPr>
+              <a:t> à Internet</a:t>
+            </a:r>
+          </a:p>
+          <a:p>
+            <a:r>
+              <a:rPr lang="en-US" dirty="0" err="1">
+                <a:latin typeface="+mj-lt"/>
+              </a:rPr>
+              <a:t>Quelques</a:t>
+            </a:r>
+            <a:r>
+              <a:rPr lang="en-US" dirty="0">
+                <a:latin typeface="+mj-lt"/>
+              </a:rPr>
+              <a:t> </a:t>
+            </a:r>
+            <a:r>
+              <a:rPr lang="en-US" dirty="0" err="1">
+                <a:latin typeface="+mj-lt"/>
+              </a:rPr>
+              <a:t>exemples</a:t>
+            </a:r>
+            <a:r>
+              <a:rPr lang="en-US" dirty="0">
+                <a:latin typeface="+mj-lt"/>
+              </a:rPr>
+              <a:t> :</a:t>
+            </a:r>
+          </a:p>
+          <a:p>
+            <a:pPr marL="285750" indent="-285750">
+              <a:buFontTx/>
+              <a:buChar char="-"/>
+            </a:pPr>
+            <a:r>
+              <a:rPr lang="en-US" dirty="0" err="1">
+                <a:latin typeface="+mj-lt"/>
+              </a:rPr>
+              <a:t>Caméras</a:t>
+            </a:r>
+            <a:r>
+              <a:rPr lang="en-US" dirty="0">
+                <a:latin typeface="+mj-lt"/>
+              </a:rPr>
+              <a:t> et </a:t>
+            </a:r>
+            <a:r>
+              <a:rPr lang="en-US" dirty="0" err="1">
+                <a:latin typeface="+mj-lt"/>
+              </a:rPr>
+              <a:t>capteurs</a:t>
+            </a:r>
+            <a:endParaRPr lang="en-US" dirty="0">
+              <a:latin typeface="+mj-lt"/>
+            </a:endParaRPr>
+          </a:p>
+          <a:p>
+            <a:pPr marL="285750" indent="-285750">
+              <a:buFontTx/>
+              <a:buChar char="-"/>
+            </a:pPr>
+            <a:r>
+              <a:rPr lang="en-US" dirty="0">
+                <a:latin typeface="+mj-lt"/>
+              </a:rPr>
+              <a:t>Les </a:t>
+            </a:r>
+            <a:r>
+              <a:rPr lang="en-US" dirty="0" err="1">
+                <a:latin typeface="+mj-lt"/>
+              </a:rPr>
+              <a:t>systèmes</a:t>
+            </a:r>
+            <a:r>
+              <a:rPr lang="en-US" dirty="0">
+                <a:latin typeface="+mj-lt"/>
+              </a:rPr>
+              <a:t> </a:t>
+            </a:r>
+            <a:r>
+              <a:rPr lang="en-US" dirty="0" err="1">
+                <a:latin typeface="+mj-lt"/>
+              </a:rPr>
+              <a:t>d’aide</a:t>
+            </a:r>
+            <a:r>
+              <a:rPr lang="en-US" dirty="0">
+                <a:latin typeface="+mj-lt"/>
+              </a:rPr>
+              <a:t> à la </a:t>
+            </a:r>
+            <a:r>
+              <a:rPr lang="en-US" dirty="0" err="1">
+                <a:latin typeface="+mj-lt"/>
+              </a:rPr>
+              <a:t>conduite</a:t>
+            </a:r>
+            <a:r>
+              <a:rPr lang="en-US" dirty="0">
+                <a:latin typeface="+mj-lt"/>
+              </a:rPr>
+              <a:t> (ADAS)</a:t>
+            </a:r>
+          </a:p>
+          <a:p>
+            <a:pPr marL="285750" indent="-285750">
+              <a:buFontTx/>
+              <a:buChar char="-"/>
+            </a:pPr>
+            <a:r>
+              <a:rPr lang="en-US" dirty="0">
+                <a:latin typeface="+mj-lt"/>
+              </a:rPr>
+              <a:t>Types </a:t>
+            </a:r>
+            <a:r>
+              <a:rPr lang="en-US">
+                <a:latin typeface="+mj-lt"/>
+              </a:rPr>
+              <a:t>de communication : V2V, V2I, I2V</a:t>
+            </a:r>
+            <a:endParaRPr lang="en-US" dirty="0">
+              <a:latin typeface="+mj-lt"/>
+            </a:endParaRPr>
+          </a:p>
+        </p:txBody>
+      </p:sp>
+      <p:sp>
+        <p:nvSpPr>
+          <p:cNvPr id="7" name="Espace réservé du numéro de diapositive 6">
+            <a:extLst>
+              <a:ext uri="{FF2B5EF4-FFF2-40B4-BE49-F238E27FC236}">
+                <a16:creationId xmlns:a16="http://schemas.microsoft.com/office/drawing/2014/main" id="{81CEA6F6-69E0-10F4-42EA-E58B40CE0BF0}"/>
+              </a:ext>
+            </a:extLst>
+          </p:cNvPr>
+          <p:cNvSpPr>
+            <a:spLocks noGrp="1"/>
+          </p:cNvSpPr>
+          <p:nvPr>
+            <p:ph type="sldNum" sz="quarter" idx="12"/>
+          </p:nvPr>
+        </p:nvSpPr>
+        <p:spPr>
+          <a:xfrm>
+            <a:off x="8610599" y="6365053"/>
+            <a:ext cx="2743200" cy="365125"/>
+          </a:xfrm>
+        </p:spPr>
+        <p:txBody>
+          <a:bodyPr anchor="ctr">
+            <a:normAutofit/>
+          </a:bodyPr>
+          <a:lstStyle/>
+          <a:p>
+            <a:pPr rtl="0">
+              <a:spcAft>
+                <a:spcPts val="600"/>
+              </a:spcAft>
+            </a:pPr>
+            <a:fld id="{CBD12358-51D2-46B3-9BDE-DF29528B9454}" type="slidenum">
+              <a:rPr lang="fr-FR" smtClean="0"/>
+              <a:pPr rtl="0">
+                <a:spcAft>
+                  <a:spcPts val="600"/>
+                </a:spcAft>
+              </a:pPr>
+              <a:t>8</a:t>
+            </a:fld>
+            <a:endParaRPr lang="fr-FR"/>
+          </a:p>
+        </p:txBody>
+      </p:sp>
+      <p:sp>
+        <p:nvSpPr>
+          <p:cNvPr id="5" name="Rectangle 4">
+            <a:extLst>
+              <a:ext uri="{FF2B5EF4-FFF2-40B4-BE49-F238E27FC236}">
+                <a16:creationId xmlns:a16="http://schemas.microsoft.com/office/drawing/2014/main" id="{CA6DBBD0-B2B3-6FB4-66D7-3DF0F9A5E5C6}"/>
+              </a:ext>
+              <a:ext uri="{C183D7F6-B498-43B3-948B-1728B52AA6E4}">
+                <adec:decorative xmlns:adec="http://schemas.microsoft.com/office/drawing/2017/decorative" val="1"/>
+              </a:ext>
+            </a:extLst>
+          </p:cNvPr>
+          <p:cNvSpPr/>
+          <p:nvPr/>
+        </p:nvSpPr>
+        <p:spPr>
+          <a:xfrm>
+            <a:off x="0" y="6303963"/>
+            <a:ext cx="12192000" cy="554037"/>
+          </a:xfrm>
+          <a:prstGeom prst="rect">
+            <a:avLst/>
+          </a:prstGeom>
+          <a:gradFill flip="none" rotWithShape="1">
+            <a:gsLst>
+              <a:gs pos="0">
+                <a:schemeClr val="accent5"/>
+              </a:gs>
+              <a:gs pos="100000">
+                <a:schemeClr val="accent2">
+                  <a:lumMod val="97000"/>
+                  <a:lumOff val="3000"/>
+                </a:schemeClr>
+              </a:gs>
+              <a:gs pos="50000">
+                <a:schemeClr val="accent1"/>
+              </a:gs>
+            </a:gsLst>
+            <a:lin ang="10800000" scaled="1"/>
+            <a:tileRect/>
+          </a:gradFill>
+          <a:ln>
+            <a:noFill/>
+          </a:ln>
+        </p:spPr>
+        <p:style>
+          <a:lnRef idx="2">
+            <a:schemeClr val="accent1">
+              <a:shade val="50000"/>
+            </a:schemeClr>
+          </a:lnRef>
+          <a:fillRef idx="1">
+            <a:schemeClr val="accent1"/>
+          </a:fillRef>
+          <a:effectRef idx="0">
+            <a:schemeClr val="accent1"/>
+          </a:effectRef>
+          <a:fontRef idx="minor">
+            <a:schemeClr val="lt1"/>
+          </a:fontRef>
+        </p:style>
+        <p:txBody>
+          <a:bodyPr rtlCol="0" anchor="ctr">
+            <a:noAutofit/>
+          </a:bodyPr>
+          <a:lstStyle>
+            <a:defPPr>
+              <a:defRPr lang="fr-FR"/>
+            </a:defPPr>
+          </a:lstStyle>
+          <a:p>
+            <a:pPr algn="ctr" rtl="0"/>
+            <a:endParaRPr lang="fr-FR" dirty="0"/>
+          </a:p>
+        </p:txBody>
+      </p:sp>
+    </p:spTree>
+    <p:extLst>
+      <p:ext uri="{BB962C8B-B14F-4D97-AF65-F5344CB8AC3E}">
+        <p14:creationId xmlns:p14="http://schemas.microsoft.com/office/powerpoint/2010/main" val="1385235648"/>
+      </p:ext>
+    </p:extLst>
+  </p:cSld>
+  <p:clrMapOvr>
+    <a:masterClrMapping/>
+  </p:clrMapOvr>
+</p:sld>
+</file>
+
+<file path=ppt/slides/slide9.xml><?xml version="1.0" encoding="utf-8"?>
+<p:sld xmlns:a="http://schemas.openxmlformats.org/drawingml/2006/main" xmlns:r="http://schemas.openxmlformats.org/officeDocument/2006/relationships" xmlns:p="http://schemas.openxmlformats.org/presentationml/2006/main">
+  <p:cSld>
+    <p:spTree>
+      <p:nvGrpSpPr>
+        <p:cNvPr id="1" name="">
+          <a:extLst>
+            <a:ext uri="{FF2B5EF4-FFF2-40B4-BE49-F238E27FC236}">
+              <a16:creationId xmlns:a16="http://schemas.microsoft.com/office/drawing/2014/main" id="{839BFD11-1FB5-CB3E-7AE4-8C081DE6DEAD}"/>
+            </a:ext>
+          </a:extLst>
+        </p:cNvPr>
+        <p:cNvGrpSpPr/>
+        <p:nvPr/>
+      </p:nvGrpSpPr>
+      <p:grpSpPr>
+        <a:xfrm>
+          <a:off x="0" y="0"/>
+          <a:ext cx="0" cy="0"/>
+          <a:chOff x="0" y="0"/>
+          <a:chExt cx="0" cy="0"/>
+        </a:xfrm>
+      </p:grpSpPr>
+      <p:sp>
+        <p:nvSpPr>
+          <p:cNvPr id="2" name="Titre 1">
+            <a:extLst>
+              <a:ext uri="{FF2B5EF4-FFF2-40B4-BE49-F238E27FC236}">
+                <a16:creationId xmlns:a16="http://schemas.microsoft.com/office/drawing/2014/main" id="{93090972-43CB-89D9-78F2-2A3382B81EE5}"/>
+              </a:ext>
+            </a:extLst>
+          </p:cNvPr>
+          <p:cNvSpPr>
+            <a:spLocks noGrp="1"/>
+          </p:cNvSpPr>
+          <p:nvPr>
+            <p:ph type="title"/>
+          </p:nvPr>
+        </p:nvSpPr>
+        <p:spPr>
+          <a:xfrm>
+            <a:off x="838200" y="365760"/>
             <a:ext cx="10515600" cy="1325563"/>
           </a:xfrm>
           <a:noFill/>
@@ -11918,628 +13525,256 @@
             <a:pPr rtl="0"/>
             <a:r>
               <a:rPr lang="fr-FR" dirty="0"/>
-              <a:t>MESURES D’ENGAGEMENT DU DISCOURS</a:t>
+              <a:t>Derniers conseils et points à retenir</a:t>
             </a:r>
           </a:p>
         </p:txBody>
       </p:sp>
-      <p:graphicFrame>
-        <p:nvGraphicFramePr>
-          <p:cNvPr id="12" name="Espace réservé au tableau 3">
+      <p:sp>
+        <p:nvSpPr>
+          <p:cNvPr id="3" name="Espace réservé du contenu 2">
             <a:extLst>
               <a:ext uri="{FF2B5EF4-FFF2-40B4-BE49-F238E27FC236}">
-                <a16:creationId xmlns:a16="http://schemas.microsoft.com/office/drawing/2014/main" id="{CB65501E-A327-D358-9D08-A3694677266E}"/>
+                <a16:creationId xmlns:a16="http://schemas.microsoft.com/office/drawing/2014/main" id="{F9BCD596-A530-2A59-B3F8-9E4757A6B0A0}"/>
               </a:ext>
             </a:extLst>
           </p:cNvPr>
-          <p:cNvGraphicFramePr>
-            <a:graphicFrameLocks noGrp="1"/>
-          </p:cNvGraphicFramePr>
+          <p:cNvSpPr>
+            <a:spLocks noGrp="1"/>
+          </p:cNvSpPr>
           <p:nvPr>
-            <p:ph type="tbl" sz="quarter" idx="13"/>
-            <p:extLst>
-              <p:ext uri="{D42A27DB-BD31-4B8C-83A1-F6EECF244321}">
-                <p14:modId xmlns:p14="http://schemas.microsoft.com/office/powerpoint/2010/main" val="1839499670"/>
-              </p:ext>
-            </p:extLst>
+            <p:ph sz="quarter" idx="15"/>
           </p:nvPr>
-        </p:nvGraphicFramePr>
-        <p:xfrm>
-          <a:off x="612775" y="2108200"/>
-          <a:ext cx="10972800" cy="3920196"/>
-        </p:xfrm>
-        <a:graphic>
-          <a:graphicData uri="http://schemas.openxmlformats.org/drawingml/2006/table">
-            <a:tbl>
-              <a:tblPr firstRow="1" bandRow="1">
-                <a:tableStyleId>{7E9639D4-E3E2-4D34-9284-5A2195B3D0D7}</a:tableStyleId>
-              </a:tblPr>
-              <a:tblGrid>
-                <a:gridCol w="2743200">
-                  <a:extLst>
-                    <a:ext uri="{9D8B030D-6E8A-4147-A177-3AD203B41FA5}">
-                      <a16:colId xmlns:a16="http://schemas.microsoft.com/office/drawing/2014/main" val="2382218087"/>
-                    </a:ext>
-                  </a:extLst>
-                </a:gridCol>
-                <a:gridCol w="2743200">
-                  <a:extLst>
-                    <a:ext uri="{9D8B030D-6E8A-4147-A177-3AD203B41FA5}">
-                      <a16:colId xmlns:a16="http://schemas.microsoft.com/office/drawing/2014/main" val="3953468724"/>
-                    </a:ext>
-                  </a:extLst>
-                </a:gridCol>
-                <a:gridCol w="2743200">
-                  <a:extLst>
-                    <a:ext uri="{9D8B030D-6E8A-4147-A177-3AD203B41FA5}">
-                      <a16:colId xmlns:a16="http://schemas.microsoft.com/office/drawing/2014/main" val="4277526474"/>
-                    </a:ext>
-                  </a:extLst>
-                </a:gridCol>
-                <a:gridCol w="2743200">
-                  <a:extLst>
-                    <a:ext uri="{9D8B030D-6E8A-4147-A177-3AD203B41FA5}">
-                      <a16:colId xmlns:a16="http://schemas.microsoft.com/office/drawing/2014/main" val="2438884888"/>
-                    </a:ext>
-                  </a:extLst>
-                </a:gridCol>
-              </a:tblGrid>
-              <a:tr h="653366">
-                <a:tc>
-                  <a:txBody>
-                    <a:bodyPr/>
-                    <a:lstStyle>
-                      <a:defPPr>
-                        <a:defRPr lang="fr-FR"/>
-                      </a:defPPr>
-                    </a:lstStyle>
-                    <a:p>
-                      <a:pPr algn="ctr" rtl="0"/>
-                      <a:r>
-                        <a:rPr lang="fr-FR" b="0" i="0">
-                          <a:latin typeface="+mn-lt"/>
-                          <a:cs typeface="Calibri" panose="020F0502020204030204" pitchFamily="34" charset="0"/>
-                        </a:rPr>
-                        <a:t>FACTEUR D’IMPACT</a:t>
-                      </a:r>
-                    </a:p>
-                  </a:txBody>
-                  <a:tcPr anchor="ctr"/>
-                </a:tc>
-                <a:tc>
-                  <a:txBody>
-                    <a:bodyPr/>
-                    <a:lstStyle>
-                      <a:defPPr>
-                        <a:defRPr lang="fr-FR"/>
-                      </a:defPPr>
-                    </a:lstStyle>
-                    <a:p>
-                      <a:pPr algn="ctr" rtl="0"/>
-                      <a:r>
-                        <a:rPr lang="fr-FR" b="0" i="0">
-                          <a:latin typeface="+mn-lt"/>
-                          <a:cs typeface="Calibri" panose="020F0502020204030204" pitchFamily="34" charset="0"/>
-                        </a:rPr>
-                        <a:t>MESURE</a:t>
-                      </a:r>
-                    </a:p>
-                  </a:txBody>
-                  <a:tcPr anchor="ctr"/>
-                </a:tc>
-                <a:tc>
-                  <a:txBody>
-                    <a:bodyPr/>
-                    <a:lstStyle>
-                      <a:defPPr>
-                        <a:defRPr lang="fr-FR"/>
-                      </a:defPPr>
-                    </a:lstStyle>
-                    <a:p>
-                      <a:pPr algn="ctr" rtl="0"/>
-                      <a:r>
-                        <a:rPr lang="fr-FR" b="0" i="0">
-                          <a:latin typeface="+mn-lt"/>
-                          <a:cs typeface="Calibri" panose="020F0502020204030204" pitchFamily="34" charset="0"/>
-                        </a:rPr>
-                        <a:t>OBJECTIF</a:t>
-                      </a:r>
-                    </a:p>
-                  </a:txBody>
-                  <a:tcPr anchor="ctr"/>
-                </a:tc>
-                <a:tc>
-                  <a:txBody>
-                    <a:bodyPr/>
-                    <a:lstStyle>
-                      <a:defPPr>
-                        <a:defRPr lang="fr-FR"/>
-                      </a:defPPr>
-                    </a:lstStyle>
-                    <a:p>
-                      <a:pPr algn="ctr" rtl="0"/>
-                      <a:r>
-                        <a:rPr lang="fr-FR" b="0" i="0">
-                          <a:latin typeface="+mn-lt"/>
-                          <a:cs typeface="Calibri" panose="020F0502020204030204" pitchFamily="34" charset="0"/>
-                        </a:rPr>
-                        <a:t>ATTEINT</a:t>
-                      </a:r>
-                    </a:p>
-                  </a:txBody>
-                  <a:tcPr anchor="ctr"/>
-                </a:tc>
-                <a:extLst>
-                  <a:ext uri="{0D108BD9-81ED-4DB2-BD59-A6C34878D82A}">
-                    <a16:rowId xmlns:a16="http://schemas.microsoft.com/office/drawing/2014/main" val="2857107962"/>
-                  </a:ext>
-                </a:extLst>
-              </a:tr>
-              <a:tr h="653366">
-                <a:tc>
-                  <a:txBody>
-                    <a:bodyPr/>
-                    <a:lstStyle>
-                      <a:defPPr>
-                        <a:defRPr lang="fr-FR"/>
-                      </a:defPPr>
-                    </a:lstStyle>
-                    <a:p>
-                      <a:pPr algn="ctr" rtl="0"/>
-                      <a:r>
-                        <a:rPr lang="fr-FR" b="0" i="0">
-                          <a:latin typeface="+mn-lt"/>
-                          <a:cs typeface="Calibri" panose="020F0502020204030204" pitchFamily="34" charset="0"/>
-                        </a:rPr>
-                        <a:t>Interaction de l’audience</a:t>
-                      </a:r>
-                    </a:p>
-                  </a:txBody>
-                  <a:tcPr anchor="ctr"/>
-                </a:tc>
-                <a:tc>
-                  <a:txBody>
-                    <a:bodyPr/>
-                    <a:lstStyle>
-                      <a:defPPr>
-                        <a:defRPr lang="fr-FR"/>
-                      </a:defPPr>
-                    </a:lstStyle>
-                    <a:p>
-                      <a:pPr algn="ctr" rtl="0"/>
-                      <a:r>
-                        <a:rPr lang="fr-FR" b="0" i="0">
-                          <a:latin typeface="+mn-lt"/>
-                          <a:cs typeface="Calibri" panose="020F0502020204030204" pitchFamily="34" charset="0"/>
-                        </a:rPr>
-                        <a:t>Pourcentage (%)</a:t>
-                      </a:r>
-                    </a:p>
-                  </a:txBody>
-                  <a:tcPr anchor="ctr"/>
-                </a:tc>
-                <a:tc>
-                  <a:txBody>
-                    <a:bodyPr/>
-                    <a:lstStyle>
-                      <a:defPPr>
-                        <a:defRPr lang="fr-FR"/>
-                      </a:defPPr>
-                    </a:lstStyle>
-                    <a:p>
-                      <a:pPr algn="ctr" rtl="0"/>
-                      <a:r>
-                        <a:rPr lang="fr-FR" b="0" i="0">
-                          <a:latin typeface="+mn-lt"/>
-                          <a:cs typeface="Calibri" panose="020F0502020204030204" pitchFamily="34" charset="0"/>
-                        </a:rPr>
-                        <a:t>85</a:t>
-                      </a:r>
-                    </a:p>
-                  </a:txBody>
-                  <a:tcPr anchor="ctr"/>
-                </a:tc>
-                <a:tc>
-                  <a:txBody>
-                    <a:bodyPr/>
-                    <a:lstStyle>
-                      <a:defPPr>
-                        <a:defRPr lang="fr-FR"/>
-                      </a:defPPr>
-                    </a:lstStyle>
-                    <a:p>
-                      <a:pPr algn="ctr" rtl="0"/>
-                      <a:r>
-                        <a:rPr lang="fr-FR" b="0" i="0">
-                          <a:latin typeface="+mn-lt"/>
-                          <a:cs typeface="Calibri" panose="020F0502020204030204" pitchFamily="34" charset="0"/>
-                        </a:rPr>
-                        <a:t>88</a:t>
-                      </a:r>
-                    </a:p>
-                  </a:txBody>
-                  <a:tcPr anchor="ctr"/>
-                </a:tc>
-                <a:extLst>
-                  <a:ext uri="{0D108BD9-81ED-4DB2-BD59-A6C34878D82A}">
-                    <a16:rowId xmlns:a16="http://schemas.microsoft.com/office/drawing/2014/main" val="1671386868"/>
-                  </a:ext>
-                </a:extLst>
-              </a:tr>
-              <a:tr h="653366">
-                <a:tc>
-                  <a:txBody>
-                    <a:bodyPr/>
-                    <a:lstStyle>
-                      <a:defPPr>
-                        <a:defRPr lang="fr-FR"/>
-                      </a:defPPr>
-                    </a:lstStyle>
-                    <a:p>
-                      <a:pPr algn="ctr" rtl="0"/>
-                      <a:r>
-                        <a:rPr lang="fr-FR" b="0" i="0" dirty="0">
-                          <a:latin typeface="+mn-lt"/>
-                          <a:cs typeface="Calibri" panose="020F0502020204030204" pitchFamily="34" charset="0"/>
-                        </a:rPr>
-                        <a:t>Rétention de connaissances</a:t>
-                      </a:r>
-                    </a:p>
-                  </a:txBody>
-                  <a:tcPr anchor="ctr"/>
-                </a:tc>
-                <a:tc>
-                  <a:txBody>
-                    <a:bodyPr/>
-                    <a:lstStyle>
-                      <a:defPPr>
-                        <a:defRPr lang="fr-FR"/>
-                      </a:defPPr>
-                    </a:lstStyle>
-                    <a:p>
-                      <a:pPr algn="ctr" rtl="0"/>
-                      <a:r>
-                        <a:rPr lang="fr-FR" b="0" i="0">
-                          <a:latin typeface="+mn-lt"/>
-                          <a:cs typeface="Calibri" panose="020F0502020204030204" pitchFamily="34" charset="0"/>
-                        </a:rPr>
-                        <a:t>Pourcentage (%)</a:t>
-                      </a:r>
-                    </a:p>
-                  </a:txBody>
-                  <a:tcPr anchor="ctr"/>
-                </a:tc>
-                <a:tc>
-                  <a:txBody>
-                    <a:bodyPr/>
-                    <a:lstStyle>
-                      <a:defPPr>
-                        <a:defRPr lang="fr-FR"/>
-                      </a:defPPr>
-                    </a:lstStyle>
-                    <a:p>
-                      <a:pPr algn="ctr" rtl="0"/>
-                      <a:r>
-                        <a:rPr lang="fr-FR" b="0" i="0" dirty="0">
-                          <a:latin typeface="+mn-lt"/>
-                          <a:cs typeface="Calibri" panose="020F0502020204030204" pitchFamily="34" charset="0"/>
-                        </a:rPr>
-                        <a:t>75</a:t>
-                      </a:r>
-                    </a:p>
-                  </a:txBody>
-                  <a:tcPr anchor="ctr"/>
-                </a:tc>
-                <a:tc>
-                  <a:txBody>
-                    <a:bodyPr/>
-                    <a:lstStyle>
-                      <a:defPPr>
-                        <a:defRPr lang="fr-FR"/>
-                      </a:defPPr>
-                    </a:lstStyle>
-                    <a:p>
-                      <a:pPr algn="ctr" rtl="0"/>
-                      <a:r>
-                        <a:rPr lang="fr-FR" b="0" i="0">
-                          <a:latin typeface="+mn-lt"/>
-                          <a:cs typeface="Calibri" panose="020F0502020204030204" pitchFamily="34" charset="0"/>
-                        </a:rPr>
-                        <a:t>80</a:t>
-                      </a:r>
-                    </a:p>
-                  </a:txBody>
-                  <a:tcPr anchor="ctr"/>
-                </a:tc>
-                <a:extLst>
-                  <a:ext uri="{0D108BD9-81ED-4DB2-BD59-A6C34878D82A}">
-                    <a16:rowId xmlns:a16="http://schemas.microsoft.com/office/drawing/2014/main" val="380626418"/>
-                  </a:ext>
-                </a:extLst>
-              </a:tr>
-              <a:tr h="653366">
-                <a:tc>
-                  <a:txBody>
-                    <a:bodyPr/>
-                    <a:lstStyle>
-                      <a:defPPr>
-                        <a:defRPr lang="fr-FR"/>
-                      </a:defPPr>
-                    </a:lstStyle>
-                    <a:p>
-                      <a:pPr algn="ctr" rtl="0"/>
-                      <a:r>
-                        <a:rPr lang="fr-FR" b="0" i="0" dirty="0">
-                          <a:latin typeface="+mn-lt"/>
-                          <a:cs typeface="Calibri" panose="020F0502020204030204" pitchFamily="34" charset="0"/>
-                        </a:rPr>
-                        <a:t>Enquêtes postérieures à la présentation</a:t>
-                      </a:r>
-                    </a:p>
-                  </a:txBody>
-                  <a:tcPr anchor="ctr"/>
-                </a:tc>
-                <a:tc>
-                  <a:txBody>
-                    <a:bodyPr/>
-                    <a:lstStyle>
-                      <a:defPPr>
-                        <a:defRPr lang="fr-FR"/>
-                      </a:defPPr>
-                    </a:lstStyle>
-                    <a:p>
-                      <a:pPr algn="ctr" rtl="0"/>
-                      <a:r>
-                        <a:rPr lang="fr-FR" b="0" i="0">
-                          <a:latin typeface="+mn-lt"/>
-                          <a:cs typeface="Calibri" panose="020F0502020204030204" pitchFamily="34" charset="0"/>
-                        </a:rPr>
-                        <a:t>Note moyenne</a:t>
-                      </a:r>
-                    </a:p>
-                  </a:txBody>
-                  <a:tcPr anchor="ctr"/>
-                </a:tc>
-                <a:tc>
-                  <a:txBody>
-                    <a:bodyPr/>
-                    <a:lstStyle>
-                      <a:defPPr>
-                        <a:defRPr lang="fr-FR"/>
-                      </a:defPPr>
-                    </a:lstStyle>
-                    <a:p>
-                      <a:pPr algn="ctr" rtl="0"/>
-                      <a:r>
-                        <a:rPr lang="fr-FR" b="0" i="0">
-                          <a:latin typeface="+mn-lt"/>
-                          <a:cs typeface="Calibri" panose="020F0502020204030204" pitchFamily="34" charset="0"/>
-                        </a:rPr>
-                        <a:t>4,2</a:t>
-                      </a:r>
-                    </a:p>
-                  </a:txBody>
-                  <a:tcPr anchor="ctr"/>
-                </a:tc>
-                <a:tc>
-                  <a:txBody>
-                    <a:bodyPr/>
-                    <a:lstStyle>
-                      <a:defPPr>
-                        <a:defRPr lang="fr-FR"/>
-                      </a:defPPr>
-                    </a:lstStyle>
-                    <a:p>
-                      <a:pPr algn="ctr" rtl="0"/>
-                      <a:r>
-                        <a:rPr lang="fr-FR" b="0" i="0">
-                          <a:latin typeface="+mn-lt"/>
-                          <a:cs typeface="Calibri" panose="020F0502020204030204" pitchFamily="34" charset="0"/>
-                        </a:rPr>
-                        <a:t>4,5</a:t>
-                      </a:r>
-                    </a:p>
-                  </a:txBody>
-                  <a:tcPr anchor="ctr"/>
-                </a:tc>
-                <a:extLst>
-                  <a:ext uri="{0D108BD9-81ED-4DB2-BD59-A6C34878D82A}">
-                    <a16:rowId xmlns:a16="http://schemas.microsoft.com/office/drawing/2014/main" val="2132482967"/>
-                  </a:ext>
-                </a:extLst>
-              </a:tr>
-              <a:tr h="653366">
-                <a:tc>
-                  <a:txBody>
-                    <a:bodyPr/>
-                    <a:lstStyle>
-                      <a:defPPr>
-                        <a:defRPr lang="fr-FR"/>
-                      </a:defPPr>
-                    </a:lstStyle>
-                    <a:p>
-                      <a:pPr algn="ctr" rtl="0"/>
-                      <a:r>
-                        <a:rPr lang="fr-FR" b="0" i="0">
-                          <a:latin typeface="+mn-lt"/>
-                          <a:cs typeface="Calibri" panose="020F0502020204030204" pitchFamily="34" charset="0"/>
-                        </a:rPr>
-                        <a:t>Taux de référence</a:t>
-                      </a:r>
-                    </a:p>
-                  </a:txBody>
-                  <a:tcPr anchor="ctr"/>
-                </a:tc>
-                <a:tc>
-                  <a:txBody>
-                    <a:bodyPr/>
-                    <a:lstStyle>
-                      <a:defPPr>
-                        <a:defRPr lang="fr-FR"/>
-                      </a:defPPr>
-                    </a:lstStyle>
-                    <a:p>
-                      <a:pPr algn="ctr" rtl="0"/>
-                      <a:r>
-                        <a:rPr lang="fr-FR" b="0" i="0">
-                          <a:latin typeface="+mn-lt"/>
-                          <a:cs typeface="Calibri" panose="020F0502020204030204" pitchFamily="34" charset="0"/>
-                        </a:rPr>
-                        <a:t>Pourcentage (%)</a:t>
-                      </a:r>
-                    </a:p>
-                  </a:txBody>
-                  <a:tcPr anchor="ctr"/>
-                </a:tc>
-                <a:tc>
-                  <a:txBody>
-                    <a:bodyPr/>
-                    <a:lstStyle>
-                      <a:defPPr>
-                        <a:defRPr lang="fr-FR"/>
-                      </a:defPPr>
-                    </a:lstStyle>
-                    <a:p>
-                      <a:pPr algn="ctr" rtl="0"/>
-                      <a:r>
-                        <a:rPr lang="fr-FR" b="0" i="0">
-                          <a:latin typeface="+mn-lt"/>
-                          <a:cs typeface="Calibri" panose="020F0502020204030204" pitchFamily="34" charset="0"/>
-                        </a:rPr>
-                        <a:t>10</a:t>
-                      </a:r>
-                    </a:p>
-                  </a:txBody>
-                  <a:tcPr anchor="ctr"/>
-                </a:tc>
-                <a:tc>
-                  <a:txBody>
-                    <a:bodyPr/>
-                    <a:lstStyle>
-                      <a:defPPr>
-                        <a:defRPr lang="fr-FR"/>
-                      </a:defPPr>
-                    </a:lstStyle>
-                    <a:p>
-                      <a:pPr algn="ctr" rtl="0"/>
-                      <a:r>
-                        <a:rPr lang="fr-FR" b="0" i="0">
-                          <a:latin typeface="+mn-lt"/>
-                          <a:cs typeface="Calibri" panose="020F0502020204030204" pitchFamily="34" charset="0"/>
-                        </a:rPr>
-                        <a:t>12</a:t>
-                      </a:r>
-                    </a:p>
-                  </a:txBody>
-                  <a:tcPr anchor="ctr"/>
-                </a:tc>
-                <a:extLst>
-                  <a:ext uri="{0D108BD9-81ED-4DB2-BD59-A6C34878D82A}">
-                    <a16:rowId xmlns:a16="http://schemas.microsoft.com/office/drawing/2014/main" val="3936251906"/>
-                  </a:ext>
-                </a:extLst>
-              </a:tr>
-              <a:tr h="653366">
-                <a:tc>
-                  <a:txBody>
-                    <a:bodyPr/>
-                    <a:lstStyle>
-                      <a:defPPr>
-                        <a:defRPr lang="fr-FR"/>
-                      </a:defPPr>
-                    </a:lstStyle>
-                    <a:p>
-                      <a:pPr algn="ctr" rtl="0"/>
-                      <a:r>
-                        <a:rPr lang="fr-FR" b="0" i="0" dirty="0">
-                          <a:latin typeface="+mn-lt"/>
-                          <a:cs typeface="Calibri" panose="020F0502020204030204" pitchFamily="34" charset="0"/>
-                        </a:rPr>
-                        <a:t>Opportunités de collaboration</a:t>
-                      </a:r>
-                    </a:p>
-                  </a:txBody>
-                  <a:tcPr anchor="ctr"/>
-                </a:tc>
-                <a:tc>
-                  <a:txBody>
-                    <a:bodyPr/>
-                    <a:lstStyle>
-                      <a:defPPr>
-                        <a:defRPr lang="fr-FR"/>
-                      </a:defPPr>
-                    </a:lstStyle>
-                    <a:p>
-                      <a:pPr algn="ctr" rtl="0"/>
-                      <a:r>
-                        <a:rPr lang="fr-FR" b="0" i="0">
-                          <a:latin typeface="+mn-lt"/>
-                          <a:cs typeface="Calibri" panose="020F0502020204030204" pitchFamily="34" charset="0"/>
-                        </a:rPr>
-                        <a:t>Nombre d’opportunités</a:t>
-                      </a:r>
-                    </a:p>
-                  </a:txBody>
-                  <a:tcPr anchor="ctr"/>
-                </a:tc>
-                <a:tc>
-                  <a:txBody>
-                    <a:bodyPr/>
-                    <a:lstStyle>
-                      <a:defPPr>
-                        <a:defRPr lang="fr-FR"/>
-                      </a:defPPr>
-                    </a:lstStyle>
-                    <a:p>
-                      <a:pPr algn="ctr" rtl="0"/>
-                      <a:r>
-                        <a:rPr lang="fr-FR" b="0" i="0">
-                          <a:latin typeface="+mn-lt"/>
-                          <a:cs typeface="Calibri" panose="020F0502020204030204" pitchFamily="34" charset="0"/>
-                        </a:rPr>
-                        <a:t>8</a:t>
-                      </a:r>
-                    </a:p>
-                  </a:txBody>
-                  <a:tcPr anchor="ctr"/>
-                </a:tc>
-                <a:tc>
-                  <a:txBody>
-                    <a:bodyPr/>
-                    <a:lstStyle>
-                      <a:defPPr>
-                        <a:defRPr lang="fr-FR"/>
-                      </a:defPPr>
-                    </a:lstStyle>
-                    <a:p>
-                      <a:pPr algn="ctr" rtl="0"/>
-                      <a:r>
-                        <a:rPr lang="fr-FR" b="0" i="0" dirty="0">
-                          <a:latin typeface="+mn-lt"/>
-                          <a:cs typeface="Calibri" panose="020F0502020204030204" pitchFamily="34" charset="0"/>
-                        </a:rPr>
-                        <a:t>10</a:t>
-                      </a:r>
-                    </a:p>
-                  </a:txBody>
-                  <a:tcPr anchor="ctr"/>
-                </a:tc>
-                <a:extLst>
-                  <a:ext uri="{0D108BD9-81ED-4DB2-BD59-A6C34878D82A}">
-                    <a16:rowId xmlns:a16="http://schemas.microsoft.com/office/drawing/2014/main" val="568537164"/>
-                  </a:ext>
-                </a:extLst>
-              </a:tr>
-            </a:tbl>
-          </a:graphicData>
-        </a:graphic>
-      </p:graphicFrame>
+        </p:nvSpPr>
+        <p:spPr>
+          <a:xfrm>
+            <a:off x="838200" y="1790329"/>
+            <a:ext cx="5381264" cy="4113054"/>
+          </a:xfrm>
+          <a:noFill/>
+        </p:spPr>
+        <p:txBody>
+          <a:bodyPr vert="horz" lIns="91440" tIns="45720" rIns="91440" bIns="45720" rtlCol="0" anchor="t">
+            <a:normAutofit fontScale="92500"/>
+          </a:bodyPr>
+          <a:lstStyle>
+            <a:defPPr>
+              <a:defRPr lang="fr-FR"/>
+            </a:defPPr>
+          </a:lstStyle>
+          <a:p>
+            <a:pPr rtl="0"/>
+            <a:r>
+              <a:rPr lang="fr-FR" dirty="0"/>
+              <a:t>Répétition cohérente</a:t>
+            </a:r>
+          </a:p>
+          <a:p>
+            <a:pPr lvl="1" rtl="0"/>
+            <a:r>
+              <a:rPr lang="fr-FR" dirty="0"/>
+              <a:t>Renforcez votre connaissance</a:t>
+            </a:r>
+          </a:p>
+          <a:p>
+            <a:pPr rtl="0"/>
+            <a:r>
+              <a:rPr lang="fr-FR" dirty="0"/>
+              <a:t>Affiner le style de discours</a:t>
+            </a:r>
+          </a:p>
+          <a:p>
+            <a:pPr lvl="1" rtl="0"/>
+            <a:r>
+              <a:rPr lang="fr-FR" dirty="0"/>
+              <a:t>Rythme, ton et accentuation</a:t>
+            </a:r>
+          </a:p>
+          <a:p>
+            <a:pPr rtl="0"/>
+            <a:r>
+              <a:rPr lang="fr-FR" dirty="0"/>
+              <a:t>Minutage et transitions</a:t>
+            </a:r>
+          </a:p>
+          <a:p>
+            <a:pPr lvl="1" rtl="0"/>
+            <a:r>
+              <a:rPr lang="fr-FR" dirty="0"/>
+              <a:t>Rechercher un discours professionnel et fluide</a:t>
+            </a:r>
+          </a:p>
+          <a:p>
+            <a:pPr rtl="0"/>
+            <a:r>
+              <a:rPr lang="fr-FR" dirty="0"/>
+              <a:t>Entraînez-vous à parler en public</a:t>
+            </a:r>
+          </a:p>
+          <a:p>
+            <a:pPr lvl="1" rtl="0"/>
+            <a:r>
+              <a:rPr lang="fr-FR" dirty="0"/>
+              <a:t>Solliciter des collègues pour écouter et donner leur avis</a:t>
+            </a:r>
+          </a:p>
+          <a:p>
+            <a:pPr lvl="1" rtl="0"/>
+            <a:endParaRPr lang="fr-FR" dirty="0"/>
+          </a:p>
+        </p:txBody>
+      </p:sp>
       <p:sp>
         <p:nvSpPr>
-          <p:cNvPr id="4" name="Espace réservé du numéro de diapositive 3">
+          <p:cNvPr id="4" name="Espace réservé du contenu 3">
             <a:extLst>
               <a:ext uri="{FF2B5EF4-FFF2-40B4-BE49-F238E27FC236}">
-                <a16:creationId xmlns:a16="http://schemas.microsoft.com/office/drawing/2014/main" id="{C618B719-3AAD-8B78-72BD-1393FD16599A}"/>
+                <a16:creationId xmlns:a16="http://schemas.microsoft.com/office/drawing/2014/main" id="{2FB3060B-ED48-1723-646A-B0A26648EF3E}"/>
+              </a:ext>
+            </a:extLst>
+          </p:cNvPr>
+          <p:cNvSpPr>
+            <a:spLocks noGrp="1"/>
+          </p:cNvSpPr>
+          <p:nvPr>
+            <p:ph sz="quarter" idx="16"/>
+          </p:nvPr>
+        </p:nvSpPr>
+        <p:spPr>
+          <a:xfrm>
+            <a:off x="6219464" y="1790329"/>
+            <a:ext cx="5134335" cy="4113054"/>
+          </a:xfrm>
+          <a:noFill/>
+        </p:spPr>
+        <p:txBody>
+          <a:bodyPr rtlCol="0">
+            <a:normAutofit/>
+          </a:bodyPr>
+          <a:lstStyle>
+            <a:defPPr>
+              <a:defRPr lang="fr-FR"/>
+            </a:defPPr>
+          </a:lstStyle>
+          <a:p>
+            <a:pPr rtl="0"/>
+            <a:r>
+              <a:rPr lang="fr-FR" sz="1700" dirty="0"/>
+              <a:t>Recueillir des commentaires</a:t>
+            </a:r>
+          </a:p>
+          <a:p>
+            <a:pPr rtl="0"/>
+            <a:r>
+              <a:rPr lang="fr-FR" sz="1700" dirty="0"/>
+              <a:t>Examiner les performances</a:t>
+            </a:r>
+          </a:p>
+          <a:p>
+            <a:pPr rtl="0"/>
+            <a:r>
+              <a:rPr lang="fr-FR" sz="1700" dirty="0"/>
+              <a:t>Explorez de nouvelles techniques</a:t>
+            </a:r>
+          </a:p>
+          <a:p>
+            <a:pPr rtl="0"/>
+            <a:r>
+              <a:rPr lang="fr-FR" sz="1700" dirty="0"/>
+              <a:t>Définissez des objectifs personnels</a:t>
+            </a:r>
+          </a:p>
+          <a:p>
+            <a:pPr rtl="0"/>
+            <a:r>
+              <a:rPr lang="fr-FR" sz="1700" dirty="0"/>
+              <a:t>Itérer et adapter</a:t>
+            </a:r>
+          </a:p>
+        </p:txBody>
+      </p:sp>
+      <p:sp>
+        <p:nvSpPr>
+          <p:cNvPr id="5" name="Rectangle 4">
+            <a:extLst>
+              <a:ext uri="{FF2B5EF4-FFF2-40B4-BE49-F238E27FC236}">
+                <a16:creationId xmlns:a16="http://schemas.microsoft.com/office/drawing/2014/main" id="{9DB75BD0-F780-855E-8F1E-6F63035EC83C}"/>
+              </a:ext>
+              <a:ext uri="{C183D7F6-B498-43B3-948B-1728B52AA6E4}">
+                <adec:decorative xmlns:adec="http://schemas.microsoft.com/office/drawing/2017/decorative" val="1"/>
+              </a:ext>
+            </a:extLst>
+          </p:cNvPr>
+          <p:cNvSpPr/>
+          <p:nvPr/>
+        </p:nvSpPr>
+        <p:spPr>
+          <a:xfrm>
+            <a:off x="0" y="6303963"/>
+            <a:ext cx="12192000" cy="554037"/>
+          </a:xfrm>
+          <a:prstGeom prst="rect">
+            <a:avLst/>
+          </a:prstGeom>
+          <a:gradFill flip="none" rotWithShape="1">
+            <a:gsLst>
+              <a:gs pos="0">
+                <a:schemeClr val="accent5"/>
+              </a:gs>
+              <a:gs pos="100000">
+                <a:schemeClr val="accent2">
+                  <a:lumMod val="97000"/>
+                  <a:lumOff val="3000"/>
+                </a:schemeClr>
+              </a:gs>
+              <a:gs pos="50000">
+                <a:schemeClr val="accent1"/>
+              </a:gs>
+            </a:gsLst>
+            <a:lin ang="10800000" scaled="1"/>
+            <a:tileRect/>
+          </a:gradFill>
+          <a:ln>
+            <a:noFill/>
+          </a:ln>
+        </p:spPr>
+        <p:style>
+          <a:lnRef idx="2">
+            <a:schemeClr val="accent1">
+              <a:shade val="50000"/>
+            </a:schemeClr>
+          </a:lnRef>
+          <a:fillRef idx="1">
+            <a:schemeClr val="accent1"/>
+          </a:fillRef>
+          <a:effectRef idx="0">
+            <a:schemeClr val="accent1"/>
+          </a:effectRef>
+          <a:fontRef idx="minor">
+            <a:schemeClr val="lt1"/>
+          </a:fontRef>
+        </p:style>
+        <p:txBody>
+          <a:bodyPr rtlCol="0" anchor="ctr">
+            <a:noAutofit/>
+          </a:bodyPr>
+          <a:lstStyle>
+            <a:defPPr>
+              <a:defRPr lang="fr-FR"/>
+            </a:defPPr>
+          </a:lstStyle>
+          <a:p>
+            <a:pPr algn="ctr" rtl="0"/>
+            <a:endParaRPr lang="fr-FR" dirty="0"/>
+          </a:p>
+        </p:txBody>
+      </p:sp>
+      <p:sp>
+        <p:nvSpPr>
+          <p:cNvPr id="7" name="Espace réservé du numéro de diapositive 6">
+            <a:extLst>
+              <a:ext uri="{FF2B5EF4-FFF2-40B4-BE49-F238E27FC236}">
+                <a16:creationId xmlns:a16="http://schemas.microsoft.com/office/drawing/2014/main" id="{7C191F3D-31D2-3F72-3678-DD0CA7154212}"/>
               </a:ext>
             </a:extLst>
           </p:cNvPr>
@@ -12558,117 +13793,16 @@
             <a:pPr rtl="0"/>
             <a:fld id="{CBD12358-51D2-46B3-9BDE-DF29528B9454}" type="slidenum">
               <a:rPr lang="fr-FR" smtClean="0"/>
-              <a:t>8</a:t>
+              <a:t>9</a:t>
             </a:fld>
-            <a:endParaRPr lang="fr-FR"/>
+            <a:endParaRPr lang="fr-FR" dirty="0"/>
           </a:p>
         </p:txBody>
       </p:sp>
     </p:spTree>
     <p:extLst>
       <p:ext uri="{BB962C8B-B14F-4D97-AF65-F5344CB8AC3E}">
-        <p14:creationId xmlns:p14="http://schemas.microsoft.com/office/powerpoint/2010/main" val="4233691277"/>
-      </p:ext>
-    </p:extLst>
-  </p:cSld>
-  <p:clrMapOvr>
-    <a:masterClrMapping/>
-  </p:clrMapOvr>
-</p:sld>
-</file>
-
-<file path=ppt/slides/slide9.xml><?xml version="1.0" encoding="utf-8"?>
-<p:sld xmlns:a="http://schemas.openxmlformats.org/drawingml/2006/main" xmlns:r="http://schemas.openxmlformats.org/officeDocument/2006/relationships" xmlns:p="http://schemas.openxmlformats.org/presentationml/2006/main">
-  <p:cSld>
-    <p:spTree>
-      <p:nvGrpSpPr>
-        <p:cNvPr id="1" name=""/>
-        <p:cNvGrpSpPr/>
-        <p:nvPr/>
-      </p:nvGrpSpPr>
-      <p:grpSpPr>
-        <a:xfrm>
-          <a:off x="0" y="0"/>
-          <a:ext cx="0" cy="0"/>
-          <a:chOff x="0" y="0"/>
-          <a:chExt cx="0" cy="0"/>
-        </a:xfrm>
-      </p:grpSpPr>
-      <p:pic>
-        <p:nvPicPr>
-          <p:cNvPr id="5" name="Espace réservé d’image 11" descr="Gros plan de points&#10;">
-            <a:extLst>
-              <a:ext uri="{FF2B5EF4-FFF2-40B4-BE49-F238E27FC236}">
-                <a16:creationId xmlns:a16="http://schemas.microsoft.com/office/drawing/2014/main" id="{030E03B4-DAB0-F43D-4B1C-C54F75E621A1}"/>
-              </a:ext>
-            </a:extLst>
-          </p:cNvPr>
-          <p:cNvPicPr>
-            <a:picLocks noGrp="1" noChangeAspect="1"/>
-          </p:cNvPicPr>
-          <p:nvPr>
-            <p:ph type="pic" sz="quarter" idx="10"/>
-          </p:nvPr>
-        </p:nvPicPr>
-        <p:blipFill>
-          <a:blip r:embed="rId3"/>
-          <a:srcRect/>
-          <a:stretch>
-            <a:fillRect/>
-          </a:stretch>
-        </p:blipFill>
-        <p:spPr>
-          <a:xfrm>
-            <a:off x="20" y="10"/>
-            <a:ext cx="12191980" cy="6857990"/>
-          </a:xfrm>
-          <a:noFill/>
-        </p:spPr>
-      </p:pic>
-      <p:sp>
-        <p:nvSpPr>
-          <p:cNvPr id="7" name="Titre 6">
-            <a:extLst>
-              <a:ext uri="{FF2B5EF4-FFF2-40B4-BE49-F238E27FC236}">
-                <a16:creationId xmlns:a16="http://schemas.microsoft.com/office/drawing/2014/main" id="{4AB1CD4B-2C7F-1593-8E69-B7450F3DCAD6}"/>
-              </a:ext>
-            </a:extLst>
-          </p:cNvPr>
-          <p:cNvSpPr>
-            <a:spLocks noGrp="1"/>
-          </p:cNvSpPr>
-          <p:nvPr>
-            <p:ph type="ctrTitle"/>
-          </p:nvPr>
-        </p:nvSpPr>
-        <p:spPr>
-          <a:xfrm>
-            <a:off x="1524000" y="2286000"/>
-            <a:ext cx="9144000" cy="2286000"/>
-          </a:xfrm>
-        </p:spPr>
-        <p:txBody>
-          <a:bodyPr rtlCol="0" anchor="ctr">
-            <a:normAutofit/>
-          </a:bodyPr>
-          <a:lstStyle>
-            <a:defPPr>
-              <a:defRPr lang="fr-FR"/>
-            </a:defPPr>
-          </a:lstStyle>
-          <a:p>
-            <a:pPr rtl="0"/>
-            <a:r>
-              <a:rPr lang="fr-FR" dirty="0"/>
-              <a:t>MERCI pour votre attention</a:t>
-            </a:r>
-          </a:p>
-        </p:txBody>
-      </p:sp>
-    </p:spTree>
-    <p:extLst>
-      <p:ext uri="{BB962C8B-B14F-4D97-AF65-F5344CB8AC3E}">
-        <p14:creationId xmlns:p14="http://schemas.microsoft.com/office/powerpoint/2010/main" val="2184472291"/>
+        <p14:creationId xmlns:p14="http://schemas.microsoft.com/office/powerpoint/2010/main" val="1268040933"/>
       </p:ext>
     </p:extLst>
   </p:cSld>
@@ -13510,15 +14644,6 @@
 </file>
 
 <file path=customXml/item1.xml><?xml version="1.0" encoding="utf-8"?>
-<?mso-contentType ?>
-<FormTemplates xmlns="http://schemas.microsoft.com/sharepoint/v3/contenttype/forms">
-  <Display>DocumentLibraryForm</Display>
-  <Edit>DocumentLibraryForm</Edit>
-  <New>DocumentLibraryForm</New>
-</FormTemplates>
-</file>
-
-<file path=customXml/item2.xml><?xml version="1.0" encoding="utf-8"?>
 <p:properties xmlns:p="http://schemas.microsoft.com/office/2006/metadata/properties" xmlns:xsi="http://www.w3.org/2001/XMLSchema-instance" xmlns:pc="http://schemas.microsoft.com/office/infopath/2007/PartnerControls">
   <documentManagement>
     <_ip_UnifiedCompliancePolicyUIAction xmlns="http://schemas.microsoft.com/sharepoint/v3" xsi:nil="true"/>
@@ -13536,6 +14661,15 @@
     <MediaServiceKeyPoints xmlns="71af3243-3dd4-4a8d-8c0d-dd76da1f02a5" xsi:nil="true"/>
   </documentManagement>
 </p:properties>
+</file>
+
+<file path=customXml/item2.xml><?xml version="1.0" encoding="utf-8"?>
+<?mso-contentType ?>
+<FormTemplates xmlns="http://schemas.microsoft.com/sharepoint/v3/contenttype/forms">
+  <Display>DocumentLibraryForm</Display>
+  <Edit>DocumentLibraryForm</Edit>
+  <New>DocumentLibraryForm</New>
+</FormTemplates>
 </file>
 
 <file path=customXml/item3.xml><?xml version="1.0" encoding="utf-8"?>
@@ -13851,28 +14985,28 @@
 </file>
 
 <file path=customXml/itemProps1.xml><?xml version="1.0" encoding="utf-8"?>
-<ds:datastoreItem xmlns:ds="http://schemas.openxmlformats.org/officeDocument/2006/customXml" ds:itemID="{0F048343-1EA9-44C3-883E-652FAAF0713E}">
+<ds:datastoreItem xmlns:ds="http://schemas.openxmlformats.org/officeDocument/2006/customXml" ds:itemID="{85C2645A-E767-4D7E-984D-234E531E4556}">
   <ds:schemaRefs>
-    <ds:schemaRef ds:uri="http://schemas.microsoft.com/sharepoint/v3/contenttype/forms"/>
+    <ds:schemaRef ds:uri="http://schemas.microsoft.com/office/2006/metadata/properties"/>
+    <ds:schemaRef ds:uri="http://www.w3.org/XML/1998/namespace"/>
+    <ds:schemaRef ds:uri="http://purl.org/dc/terms/"/>
+    <ds:schemaRef ds:uri="http://purl.org/dc/elements/1.1/"/>
+    <ds:schemaRef ds:uri="71af3243-3dd4-4a8d-8c0d-dd76da1f02a5"/>
+    <ds:schemaRef ds:uri="16c05727-aa75-4e4a-9b5f-8a80a1165891"/>
+    <ds:schemaRef ds:uri="http://schemas.microsoft.com/office/2006/documentManagement/types"/>
+    <ds:schemaRef ds:uri="http://schemas.microsoft.com/office/infopath/2007/PartnerControls"/>
+    <ds:schemaRef ds:uri="http://schemas.microsoft.com/sharepoint/v3"/>
+    <ds:schemaRef ds:uri="http://schemas.openxmlformats.org/package/2006/metadata/core-properties"/>
+    <ds:schemaRef ds:uri="230e9df3-be65-4c73-a93b-d1236ebd677e"/>
+    <ds:schemaRef ds:uri="http://purl.org/dc/dcmitype/"/>
   </ds:schemaRefs>
 </ds:datastoreItem>
 </file>
 
 <file path=customXml/itemProps2.xml><?xml version="1.0" encoding="utf-8"?>
-<ds:datastoreItem xmlns:ds="http://schemas.openxmlformats.org/officeDocument/2006/customXml" ds:itemID="{85C2645A-E767-4D7E-984D-234E531E4556}">
+<ds:datastoreItem xmlns:ds="http://schemas.openxmlformats.org/officeDocument/2006/customXml" ds:itemID="{0F048343-1EA9-44C3-883E-652FAAF0713E}">
   <ds:schemaRefs>
-    <ds:schemaRef ds:uri="71af3243-3dd4-4a8d-8c0d-dd76da1f02a5"/>
-    <ds:schemaRef ds:uri="http://schemas.microsoft.com/office/infopath/2007/PartnerControls"/>
-    <ds:schemaRef ds:uri="http://schemas.microsoft.com/office/2006/documentManagement/types"/>
-    <ds:schemaRef ds:uri="http://purl.org/dc/elements/1.1/"/>
-    <ds:schemaRef ds:uri="http://schemas.openxmlformats.org/package/2006/metadata/core-properties"/>
-    <ds:schemaRef ds:uri="230e9df3-be65-4c73-a93b-d1236ebd677e"/>
-    <ds:schemaRef ds:uri="http://purl.org/dc/terms/"/>
-    <ds:schemaRef ds:uri="16c05727-aa75-4e4a-9b5f-8a80a1165891"/>
-    <ds:schemaRef ds:uri="http://schemas.microsoft.com/sharepoint/v3"/>
-    <ds:schemaRef ds:uri="http://schemas.microsoft.com/office/2006/metadata/properties"/>
-    <ds:schemaRef ds:uri="http://www.w3.org/XML/1998/namespace"/>
-    <ds:schemaRef ds:uri="http://purl.org/dc/dcmitype/"/>
+    <ds:schemaRef ds:uri="http://schemas.microsoft.com/sharepoint/v3/contenttype/forms"/>
   </ds:schemaRefs>
 </ds:datastoreItem>
 </file>
